--- a/Meraki_Hack the Future.pptx
+++ b/Meraki_Hack the Future.pptx
@@ -6,23 +6,21 @@
     <p:sldMasterId id="2147483794" r:id="rId5"/>
   </p:sldMasterIdLst>
   <p:notesMasterIdLst>
-    <p:notesMasterId r:id="rId17"/>
+    <p:notesMasterId r:id="rId15"/>
   </p:notesMasterIdLst>
   <p:handoutMasterIdLst>
-    <p:handoutMasterId r:id="rId18"/>
+    <p:handoutMasterId r:id="rId16"/>
   </p:handoutMasterIdLst>
   <p:sldIdLst>
     <p:sldId id="491" r:id="rId6"/>
     <p:sldId id="469" r:id="rId7"/>
     <p:sldId id="472" r:id="rId8"/>
     <p:sldId id="492" r:id="rId9"/>
-    <p:sldId id="488" r:id="rId10"/>
-    <p:sldId id="489" r:id="rId11"/>
-    <p:sldId id="493" r:id="rId12"/>
-    <p:sldId id="494" r:id="rId13"/>
-    <p:sldId id="495" r:id="rId14"/>
-    <p:sldId id="496" r:id="rId15"/>
-    <p:sldId id="481" r:id="rId16"/>
+    <p:sldId id="493" r:id="rId10"/>
+    <p:sldId id="494" r:id="rId11"/>
+    <p:sldId id="488" r:id="rId12"/>
+    <p:sldId id="489" r:id="rId13"/>
+    <p:sldId id="481" r:id="rId14"/>
   </p:sldIdLst>
   <p:sldSz cx="9144000" cy="5143500" type="screen16x9"/>
   <p:notesSz cx="7010400" cy="9236075"/>
@@ -218,330 +216,10 @@
 <p1510:revInfo xmlns:a="http://schemas.openxmlformats.org/drawingml/2006/main" xmlns:r="http://schemas.openxmlformats.org/officeDocument/2006/relationships" xmlns:p1510="http://schemas.microsoft.com/office/powerpoint/2015/10/main">
   <p1510:revLst>
     <p1510:client id="{2EBB2FB6-0368-445F-88FC-6674A2F7FD10}" v="198" dt="2020-09-06T11:02:35.218"/>
-    <p1510:client id="{5C8294AE-2E9E-85C7-8DAA-4590AA52C752}" v="1053" dt="2020-09-06T17:57:52.025"/>
+    <p1510:client id="{5C8294AE-2E9E-85C7-8DAA-4590AA52C752}" v="326" dt="2020-09-06T12:16:50.789"/>
     <p1510:client id="{FC3FB788-5B74-1B21-3DA8-1B9314EBDF0D}" v="16" dt="2020-09-06T10:51:34.060"/>
   </p1510:revLst>
 </p1510:revInfo>
-</file>
-
-<file path=ppt/changesInfos/changesInfo1.xml><?xml version="1.0" encoding="utf-8"?>
-<pc:chgInfo xmlns:a="http://schemas.openxmlformats.org/drawingml/2006/main" xmlns:r="http://schemas.openxmlformats.org/officeDocument/2006/relationships" xmlns:ac="http://schemas.microsoft.com/office/drawing/2013/main/command" xmlns:pc="http://schemas.microsoft.com/office/powerpoint/2013/main/command">
-  <pc:docChgLst>
-    <pc:chgData name="PRAVESH PANWAR" userId="S::pravesh.panwar@lntinfotech.com::e315cf82-6b9c-46db-937a-5099670077ce" providerId="AD" clId="Web-{FC3FB788-5B74-1B21-3DA8-1B9314EBDF0D}"/>
-    <pc:docChg chg="modSld">
-      <pc:chgData name="PRAVESH PANWAR" userId="S::pravesh.panwar@lntinfotech.com::e315cf82-6b9c-46db-937a-5099670077ce" providerId="AD" clId="Web-{FC3FB788-5B74-1B21-3DA8-1B9314EBDF0D}" dt="2020-09-06T10:51:34.060" v="15" actId="20577"/>
-      <pc:docMkLst>
-        <pc:docMk/>
-      </pc:docMkLst>
-      <pc:sldChg chg="modSp">
-        <pc:chgData name="PRAVESH PANWAR" userId="S::pravesh.panwar@lntinfotech.com::e315cf82-6b9c-46db-937a-5099670077ce" providerId="AD" clId="Web-{FC3FB788-5B74-1B21-3DA8-1B9314EBDF0D}" dt="2020-09-06T10:51:34.060" v="15" actId="20577"/>
-        <pc:sldMkLst>
-          <pc:docMk/>
-          <pc:sldMk cId="3645423041" sldId="489"/>
-        </pc:sldMkLst>
-        <pc:spChg chg="mod">
-          <ac:chgData name="PRAVESH PANWAR" userId="S::pravesh.panwar@lntinfotech.com::e315cf82-6b9c-46db-937a-5099670077ce" providerId="AD" clId="Web-{FC3FB788-5B74-1B21-3DA8-1B9314EBDF0D}" dt="2020-09-06T10:51:34.060" v="15" actId="20577"/>
-          <ac:spMkLst>
-            <pc:docMk/>
-            <pc:sldMk cId="3645423041" sldId="489"/>
-            <ac:spMk id="14" creationId="{A33384C4-2658-4867-9748-8E3E227C174C}"/>
-          </ac:spMkLst>
-        </pc:spChg>
-      </pc:sldChg>
-      <pc:sldChg chg="modSp">
-        <pc:chgData name="PRAVESH PANWAR" userId="S::pravesh.panwar@lntinfotech.com::e315cf82-6b9c-46db-937a-5099670077ce" providerId="AD" clId="Web-{FC3FB788-5B74-1B21-3DA8-1B9314EBDF0D}" dt="2020-09-06T10:35:19.024" v="4" actId="20577"/>
-        <pc:sldMkLst>
-          <pc:docMk/>
-          <pc:sldMk cId="2835272453" sldId="491"/>
-        </pc:sldMkLst>
-        <pc:spChg chg="mod">
-          <ac:chgData name="PRAVESH PANWAR" userId="S::pravesh.panwar@lntinfotech.com::e315cf82-6b9c-46db-937a-5099670077ce" providerId="AD" clId="Web-{FC3FB788-5B74-1B21-3DA8-1B9314EBDF0D}" dt="2020-09-06T10:35:19.024" v="4" actId="20577"/>
-          <ac:spMkLst>
-            <pc:docMk/>
-            <pc:sldMk cId="2835272453" sldId="491"/>
-            <ac:spMk id="5" creationId="{00000000-0000-0000-0000-000000000000}"/>
-          </ac:spMkLst>
-        </pc:spChg>
-      </pc:sldChg>
-    </pc:docChg>
-  </pc:docChgLst>
-  <pc:docChgLst>
-    <pc:chgData name="PRAVESH PANWAR" userId="S::pravesh.panwar@lntinfotech.com::e315cf82-6b9c-46db-937a-5099670077ce" providerId="AD" clId="Web-{5C8294AE-2E9E-85C7-8DAA-4590AA52C752}"/>
-    <pc:docChg chg="addSld delSld modSld">
-      <pc:chgData name="PRAVESH PANWAR" userId="S::pravesh.panwar@lntinfotech.com::e315cf82-6b9c-46db-937a-5099670077ce" providerId="AD" clId="Web-{5C8294AE-2E9E-85C7-8DAA-4590AA52C752}" dt="2020-09-06T17:57:52.025" v="1048" actId="20577"/>
-      <pc:docMkLst>
-        <pc:docMk/>
-      </pc:docMkLst>
-      <pc:sldChg chg="modSp">
-        <pc:chgData name="PRAVESH PANWAR" userId="S::pravesh.panwar@lntinfotech.com::e315cf82-6b9c-46db-937a-5099670077ce" providerId="AD" clId="Web-{5C8294AE-2E9E-85C7-8DAA-4590AA52C752}" dt="2020-09-06T17:02:38.831" v="922" actId="20577"/>
-        <pc:sldMkLst>
-          <pc:docMk/>
-          <pc:sldMk cId="2725289697" sldId="469"/>
-        </pc:sldMkLst>
-        <pc:spChg chg="mod">
-          <ac:chgData name="PRAVESH PANWAR" userId="S::pravesh.panwar@lntinfotech.com::e315cf82-6b9c-46db-937a-5099670077ce" providerId="AD" clId="Web-{5C8294AE-2E9E-85C7-8DAA-4590AA52C752}" dt="2020-09-06T17:02:38.831" v="922" actId="20577"/>
-          <ac:spMkLst>
-            <pc:docMk/>
-            <pc:sldMk cId="2725289697" sldId="469"/>
-            <ac:spMk id="14" creationId="{A33384C4-2658-4867-9748-8E3E227C174C}"/>
-          </ac:spMkLst>
-        </pc:spChg>
-      </pc:sldChg>
-      <pc:sldChg chg="addSp delSp modSp">
-        <pc:chgData name="PRAVESH PANWAR" userId="S::pravesh.panwar@lntinfotech.com::e315cf82-6b9c-46db-937a-5099670077ce" providerId="AD" clId="Web-{5C8294AE-2E9E-85C7-8DAA-4590AA52C752}" dt="2020-09-06T17:00:06.516" v="912" actId="20577"/>
-        <pc:sldMkLst>
-          <pc:docMk/>
-          <pc:sldMk cId="2675218721" sldId="472"/>
-        </pc:sldMkLst>
-        <pc:spChg chg="mod">
-          <ac:chgData name="PRAVESH PANWAR" userId="S::pravesh.panwar@lntinfotech.com::e315cf82-6b9c-46db-937a-5099670077ce" providerId="AD" clId="Web-{5C8294AE-2E9E-85C7-8DAA-4590AA52C752}" dt="2020-09-06T17:00:06.516" v="912" actId="20577"/>
-          <ac:spMkLst>
-            <pc:docMk/>
-            <pc:sldMk cId="2675218721" sldId="472"/>
-            <ac:spMk id="6" creationId="{CCB79F84-A71F-4C90-A599-76F7E8C3FDCA}"/>
-          </ac:spMkLst>
-        </pc:spChg>
-        <pc:spChg chg="mod">
-          <ac:chgData name="PRAVESH PANWAR" userId="S::pravesh.panwar@lntinfotech.com::e315cf82-6b9c-46db-937a-5099670077ce" providerId="AD" clId="Web-{5C8294AE-2E9E-85C7-8DAA-4590AA52C752}" dt="2020-09-06T16:35:44.890" v="412" actId="20577"/>
-          <ac:spMkLst>
-            <pc:docMk/>
-            <pc:sldMk cId="2675218721" sldId="472"/>
-            <ac:spMk id="9" creationId="{CCB79F84-A71F-4C90-A599-76F7E8C3FDCA}"/>
-          </ac:spMkLst>
-        </pc:spChg>
-        <pc:graphicFrameChg chg="add del mod modGraphic">
-          <ac:chgData name="PRAVESH PANWAR" userId="S::pravesh.panwar@lntinfotech.com::e315cf82-6b9c-46db-937a-5099670077ce" providerId="AD" clId="Web-{5C8294AE-2E9E-85C7-8DAA-4590AA52C752}" dt="2020-09-06T12:03:07.129" v="46"/>
-          <ac:graphicFrameMkLst>
-            <pc:docMk/>
-            <pc:sldMk cId="2675218721" sldId="472"/>
-            <ac:graphicFrameMk id="3" creationId="{81E7012E-885E-4C52-B087-8AF33DFDAC7D}"/>
-          </ac:graphicFrameMkLst>
-        </pc:graphicFrameChg>
-        <pc:graphicFrameChg chg="add del mod">
-          <ac:chgData name="PRAVESH PANWAR" userId="S::pravesh.panwar@lntinfotech.com::e315cf82-6b9c-46db-937a-5099670077ce" providerId="AD" clId="Web-{5C8294AE-2E9E-85C7-8DAA-4590AA52C752}" dt="2020-09-06T12:03:01.442" v="45"/>
-          <ac:graphicFrameMkLst>
-            <pc:docMk/>
-            <pc:sldMk cId="2675218721" sldId="472"/>
-            <ac:graphicFrameMk id="8" creationId="{3EF5138A-6777-43BB-8294-755774579D3A}"/>
-          </ac:graphicFrameMkLst>
-        </pc:graphicFrameChg>
-      </pc:sldChg>
-      <pc:sldChg chg="modSp">
-        <pc:chgData name="PRAVESH PANWAR" userId="S::pravesh.panwar@lntinfotech.com::e315cf82-6b9c-46db-937a-5099670077ce" providerId="AD" clId="Web-{5C8294AE-2E9E-85C7-8DAA-4590AA52C752}" dt="2020-09-06T16:52:45.771" v="722" actId="20577"/>
-        <pc:sldMkLst>
-          <pc:docMk/>
-          <pc:sldMk cId="392771585" sldId="488"/>
-        </pc:sldMkLst>
-        <pc:spChg chg="mod">
-          <ac:chgData name="PRAVESH PANWAR" userId="S::pravesh.panwar@lntinfotech.com::e315cf82-6b9c-46db-937a-5099670077ce" providerId="AD" clId="Web-{5C8294AE-2E9E-85C7-8DAA-4590AA52C752}" dt="2020-09-06T16:52:45.771" v="722" actId="20577"/>
-          <ac:spMkLst>
-            <pc:docMk/>
-            <pc:sldMk cId="392771585" sldId="488"/>
-            <ac:spMk id="14" creationId="{A33384C4-2658-4867-9748-8E3E227C174C}"/>
-          </ac:spMkLst>
-        </pc:spChg>
-      </pc:sldChg>
-      <pc:sldChg chg="modSp">
-        <pc:chgData name="PRAVESH PANWAR" userId="S::pravesh.panwar@lntinfotech.com::e315cf82-6b9c-46db-937a-5099670077ce" providerId="AD" clId="Web-{5C8294AE-2E9E-85C7-8DAA-4590AA52C752}" dt="2020-09-06T17:02:51.144" v="923" actId="20577"/>
-        <pc:sldMkLst>
-          <pc:docMk/>
-          <pc:sldMk cId="3645423041" sldId="489"/>
-        </pc:sldMkLst>
-        <pc:spChg chg="mod">
-          <ac:chgData name="PRAVESH PANWAR" userId="S::pravesh.panwar@lntinfotech.com::e315cf82-6b9c-46db-937a-5099670077ce" providerId="AD" clId="Web-{5C8294AE-2E9E-85C7-8DAA-4590AA52C752}" dt="2020-09-06T17:02:51.144" v="923" actId="20577"/>
-          <ac:spMkLst>
-            <pc:docMk/>
-            <pc:sldMk cId="3645423041" sldId="489"/>
-            <ac:spMk id="14" creationId="{A33384C4-2658-4867-9748-8E3E227C174C}"/>
-          </ac:spMkLst>
-        </pc:spChg>
-      </pc:sldChg>
-      <pc:sldChg chg="del">
-        <pc:chgData name="PRAVESH PANWAR" userId="S::pravesh.panwar@lntinfotech.com::e315cf82-6b9c-46db-937a-5099670077ce" providerId="AD" clId="Web-{5C8294AE-2E9E-85C7-8DAA-4590AA52C752}" dt="2020-09-06T12:01:49.737" v="37"/>
-        <pc:sldMkLst>
-          <pc:docMk/>
-          <pc:sldMk cId="2442003819" sldId="490"/>
-        </pc:sldMkLst>
-      </pc:sldChg>
-      <pc:sldChg chg="addSp modSp">
-        <pc:chgData name="PRAVESH PANWAR" userId="S::pravesh.panwar@lntinfotech.com::e315cf82-6b9c-46db-937a-5099670077ce" providerId="AD" clId="Web-{5C8294AE-2E9E-85C7-8DAA-4590AA52C752}" dt="2020-09-06T11:58:26.139" v="34" actId="1076"/>
-        <pc:sldMkLst>
-          <pc:docMk/>
-          <pc:sldMk cId="2835272453" sldId="491"/>
-        </pc:sldMkLst>
-        <pc:picChg chg="add mod">
-          <ac:chgData name="PRAVESH PANWAR" userId="S::pravesh.panwar@lntinfotech.com::e315cf82-6b9c-46db-937a-5099670077ce" providerId="AD" clId="Web-{5C8294AE-2E9E-85C7-8DAA-4590AA52C752}" dt="2020-09-06T11:58:26.139" v="34" actId="1076"/>
-          <ac:picMkLst>
-            <pc:docMk/>
-            <pc:sldMk cId="2835272453" sldId="491"/>
-            <ac:picMk id="3" creationId="{6A83D39B-0A1E-456F-A814-1109E5D99913}"/>
-          </ac:picMkLst>
-        </pc:picChg>
-      </pc:sldChg>
-      <pc:sldChg chg="modSp">
-        <pc:chgData name="PRAVESH PANWAR" userId="S::pravesh.panwar@lntinfotech.com::e315cf82-6b9c-46db-937a-5099670077ce" providerId="AD" clId="Web-{5C8294AE-2E9E-85C7-8DAA-4590AA52C752}" dt="2020-09-06T16:36:51.766" v="415" actId="20577"/>
-        <pc:sldMkLst>
-          <pc:docMk/>
-          <pc:sldMk cId="245440417" sldId="492"/>
-        </pc:sldMkLst>
-        <pc:spChg chg="mod">
-          <ac:chgData name="PRAVESH PANWAR" userId="S::pravesh.panwar@lntinfotech.com::e315cf82-6b9c-46db-937a-5099670077ce" providerId="AD" clId="Web-{5C8294AE-2E9E-85C7-8DAA-4590AA52C752}" dt="2020-09-06T16:36:51.766" v="415" actId="20577"/>
-          <ac:spMkLst>
-            <pc:docMk/>
-            <pc:sldMk cId="245440417" sldId="492"/>
-            <ac:spMk id="6" creationId="{CCB79F84-A71F-4C90-A599-76F7E8C3FDCA}"/>
-          </ac:spMkLst>
-        </pc:spChg>
-      </pc:sldChg>
-      <pc:sldChg chg="addSp modSp add replId">
-        <pc:chgData name="PRAVESH PANWAR" userId="S::pravesh.panwar@lntinfotech.com::e315cf82-6b9c-46db-937a-5099670077ce" providerId="AD" clId="Web-{5C8294AE-2E9E-85C7-8DAA-4590AA52C752}" dt="2020-09-06T17:08:52.027" v="939" actId="20577"/>
-        <pc:sldMkLst>
-          <pc:docMk/>
-          <pc:sldMk cId="3198009951" sldId="493"/>
-        </pc:sldMkLst>
-        <pc:spChg chg="mod">
-          <ac:chgData name="PRAVESH PANWAR" userId="S::pravesh.panwar@lntinfotech.com::e315cf82-6b9c-46db-937a-5099670077ce" providerId="AD" clId="Web-{5C8294AE-2E9E-85C7-8DAA-4590AA52C752}" dt="2020-09-06T16:58:24.935" v="906" actId="20577"/>
-          <ac:spMkLst>
-            <pc:docMk/>
-            <pc:sldMk cId="3198009951" sldId="493"/>
-            <ac:spMk id="5" creationId="{83CC51E3-E419-4AB1-8316-5C2835430B1C}"/>
-          </ac:spMkLst>
-        </pc:spChg>
-        <pc:spChg chg="mod">
-          <ac:chgData name="PRAVESH PANWAR" userId="S::pravesh.panwar@lntinfotech.com::e315cf82-6b9c-46db-937a-5099670077ce" providerId="AD" clId="Web-{5C8294AE-2E9E-85C7-8DAA-4590AA52C752}" dt="2020-09-06T17:08:52.027" v="939" actId="20577"/>
-          <ac:spMkLst>
-            <pc:docMk/>
-            <pc:sldMk cId="3198009951" sldId="493"/>
-            <ac:spMk id="14" creationId="{A33384C4-2658-4867-9748-8E3E227C174C}"/>
-          </ac:spMkLst>
-        </pc:spChg>
-        <pc:picChg chg="add mod">
-          <ac:chgData name="PRAVESH PANWAR" userId="S::pravesh.panwar@lntinfotech.com::e315cf82-6b9c-46db-937a-5099670077ce" providerId="AD" clId="Web-{5C8294AE-2E9E-85C7-8DAA-4590AA52C752}" dt="2020-09-06T17:08:38.277" v="932"/>
-          <ac:picMkLst>
-            <pc:docMk/>
-            <pc:sldMk cId="3198009951" sldId="493"/>
-            <ac:picMk id="2" creationId="{EF75829B-338F-4C02-A720-C62E3A9F5679}"/>
-          </ac:picMkLst>
-        </pc:picChg>
-      </pc:sldChg>
-      <pc:sldChg chg="addSp delSp modSp add replId">
-        <pc:chgData name="PRAVESH PANWAR" userId="S::pravesh.panwar@lntinfotech.com::e315cf82-6b9c-46db-937a-5099670077ce" providerId="AD" clId="Web-{5C8294AE-2E9E-85C7-8DAA-4590AA52C752}" dt="2020-09-06T17:47:14.854" v="985" actId="20577"/>
-        <pc:sldMkLst>
-          <pc:docMk/>
-          <pc:sldMk cId="712521611" sldId="494"/>
-        </pc:sldMkLst>
-        <pc:spChg chg="mod">
-          <ac:chgData name="PRAVESH PANWAR" userId="S::pravesh.panwar@lntinfotech.com::e315cf82-6b9c-46db-937a-5099670077ce" providerId="AD" clId="Web-{5C8294AE-2E9E-85C7-8DAA-4590AA52C752}" dt="2020-09-06T17:47:14.854" v="985" actId="20577"/>
-          <ac:spMkLst>
-            <pc:docMk/>
-            <pc:sldMk cId="712521611" sldId="494"/>
-            <ac:spMk id="14" creationId="{A33384C4-2658-4867-9748-8E3E227C174C}"/>
-          </ac:spMkLst>
-        </pc:spChg>
-        <pc:picChg chg="del">
-          <ac:chgData name="PRAVESH PANWAR" userId="S::pravesh.panwar@lntinfotech.com::e315cf82-6b9c-46db-937a-5099670077ce" providerId="AD" clId="Web-{5C8294AE-2E9E-85C7-8DAA-4590AA52C752}" dt="2020-09-06T17:09:02.043" v="941"/>
-          <ac:picMkLst>
-            <pc:docMk/>
-            <pc:sldMk cId="712521611" sldId="494"/>
-            <ac:picMk id="2" creationId="{EF75829B-338F-4C02-A720-C62E3A9F5679}"/>
-          </ac:picMkLst>
-        </pc:picChg>
-        <pc:picChg chg="add mod">
-          <ac:chgData name="PRAVESH PANWAR" userId="S::pravesh.panwar@lntinfotech.com::e315cf82-6b9c-46db-937a-5099670077ce" providerId="AD" clId="Web-{5C8294AE-2E9E-85C7-8DAA-4590AA52C752}" dt="2020-09-06T17:46:10.196" v="960" actId="1076"/>
-          <ac:picMkLst>
-            <pc:docMk/>
-            <pc:sldMk cId="712521611" sldId="494"/>
-            <ac:picMk id="3" creationId="{1B9935BF-F515-4D4B-B50D-42A6AFD08BDC}"/>
-          </ac:picMkLst>
-        </pc:picChg>
-      </pc:sldChg>
-      <pc:sldChg chg="add del replId">
-        <pc:chgData name="PRAVESH PANWAR" userId="S::pravesh.panwar@lntinfotech.com::e315cf82-6b9c-46db-937a-5099670077ce" providerId="AD" clId="Web-{5C8294AE-2E9E-85C7-8DAA-4590AA52C752}" dt="2020-09-06T17:07:55.135" v="925"/>
-        <pc:sldMkLst>
-          <pc:docMk/>
-          <pc:sldMk cId="1674219221" sldId="494"/>
-        </pc:sldMkLst>
-      </pc:sldChg>
-      <pc:sldChg chg="addSp modSp add replId">
-        <pc:chgData name="PRAVESH PANWAR" userId="S::pravesh.panwar@lntinfotech.com::e315cf82-6b9c-46db-937a-5099670077ce" providerId="AD" clId="Web-{5C8294AE-2E9E-85C7-8DAA-4590AA52C752}" dt="2020-09-06T17:46:58.088" v="978" actId="20577"/>
-        <pc:sldMkLst>
-          <pc:docMk/>
-          <pc:sldMk cId="3186588404" sldId="495"/>
-        </pc:sldMkLst>
-        <pc:spChg chg="mod">
-          <ac:chgData name="PRAVESH PANWAR" userId="S::pravesh.panwar@lntinfotech.com::e315cf82-6b9c-46db-937a-5099670077ce" providerId="AD" clId="Web-{5C8294AE-2E9E-85C7-8DAA-4590AA52C752}" dt="2020-09-06T17:46:58.088" v="978" actId="20577"/>
-          <ac:spMkLst>
-            <pc:docMk/>
-            <pc:sldMk cId="3186588404" sldId="495"/>
-            <ac:spMk id="14" creationId="{A33384C4-2658-4867-9748-8E3E227C174C}"/>
-          </ac:spMkLst>
-        </pc:spChg>
-        <pc:picChg chg="add mod">
-          <ac:chgData name="PRAVESH PANWAR" userId="S::pravesh.panwar@lntinfotech.com::e315cf82-6b9c-46db-937a-5099670077ce" providerId="AD" clId="Web-{5C8294AE-2E9E-85C7-8DAA-4590AA52C752}" dt="2020-09-06T17:46:35.775" v="971" actId="1076"/>
-          <ac:picMkLst>
-            <pc:docMk/>
-            <pc:sldMk cId="3186588404" sldId="495"/>
-            <ac:picMk id="2" creationId="{C8E83CF1-D02B-4FEF-8BAB-CCC6DB62255D}"/>
-          </ac:picMkLst>
-        </pc:picChg>
-      </pc:sldChg>
-      <pc:sldChg chg="add del replId">
-        <pc:chgData name="PRAVESH PANWAR" userId="S::pravesh.panwar@lntinfotech.com::e315cf82-6b9c-46db-937a-5099670077ce" providerId="AD" clId="Web-{5C8294AE-2E9E-85C7-8DAA-4590AA52C752}" dt="2020-09-06T17:50:36.218" v="987"/>
-        <pc:sldMkLst>
-          <pc:docMk/>
-          <pc:sldMk cId="1629155156" sldId="496"/>
-        </pc:sldMkLst>
-      </pc:sldChg>
-      <pc:sldChg chg="modSp add replId">
-        <pc:chgData name="PRAVESH PANWAR" userId="S::pravesh.panwar@lntinfotech.com::e315cf82-6b9c-46db-937a-5099670077ce" providerId="AD" clId="Web-{5C8294AE-2E9E-85C7-8DAA-4590AA52C752}" dt="2020-09-06T17:57:52.025" v="1048" actId="20577"/>
-        <pc:sldMkLst>
-          <pc:docMk/>
-          <pc:sldMk cId="4043162517" sldId="496"/>
-        </pc:sldMkLst>
-        <pc:spChg chg="mod">
-          <ac:chgData name="PRAVESH PANWAR" userId="S::pravesh.panwar@lntinfotech.com::e315cf82-6b9c-46db-937a-5099670077ce" providerId="AD" clId="Web-{5C8294AE-2E9E-85C7-8DAA-4590AA52C752}" dt="2020-09-06T17:50:57.343" v="1009" actId="20577"/>
-          <ac:spMkLst>
-            <pc:docMk/>
-            <pc:sldMk cId="4043162517" sldId="496"/>
-            <ac:spMk id="4" creationId="{83CC51E3-E419-4AB1-8316-5C2835430B1C}"/>
-          </ac:spMkLst>
-        </pc:spChg>
-        <pc:spChg chg="mod">
-          <ac:chgData name="PRAVESH PANWAR" userId="S::pravesh.panwar@lntinfotech.com::e315cf82-6b9c-46db-937a-5099670077ce" providerId="AD" clId="Web-{5C8294AE-2E9E-85C7-8DAA-4590AA52C752}" dt="2020-09-06T17:57:52.025" v="1048" actId="20577"/>
-          <ac:spMkLst>
-            <pc:docMk/>
-            <pc:sldMk cId="4043162517" sldId="496"/>
-            <ac:spMk id="6" creationId="{CCB79F84-A71F-4C90-A599-76F7E8C3FDCA}"/>
-          </ac:spMkLst>
-        </pc:spChg>
-      </pc:sldChg>
-    </pc:docChg>
-  </pc:docChgLst>
-  <pc:docChgLst>
-    <pc:chgData name="PRAVESH PANWAR" userId="S::pravesh.panwar@lntinfotech.com::e315cf82-6b9c-46db-937a-5099670077ce" providerId="AD" clId="Web-{2EBB2FB6-0368-445F-88FC-6674A2F7FD10}"/>
-    <pc:docChg chg="modSld">
-      <pc:chgData name="PRAVESH PANWAR" userId="S::pravesh.panwar@lntinfotech.com::e315cf82-6b9c-46db-937a-5099670077ce" providerId="AD" clId="Web-{2EBB2FB6-0368-445F-88FC-6674A2F7FD10}" dt="2020-09-06T11:02:35.218" v="196" actId="20577"/>
-      <pc:docMkLst>
-        <pc:docMk/>
-      </pc:docMkLst>
-      <pc:sldChg chg="modSp">
-        <pc:chgData name="PRAVESH PANWAR" userId="S::pravesh.panwar@lntinfotech.com::e315cf82-6b9c-46db-937a-5099670077ce" providerId="AD" clId="Web-{2EBB2FB6-0368-445F-88FC-6674A2F7FD10}" dt="2020-09-06T11:02:35.218" v="196" actId="20577"/>
-        <pc:sldMkLst>
-          <pc:docMk/>
-          <pc:sldMk cId="3645423041" sldId="489"/>
-        </pc:sldMkLst>
-        <pc:spChg chg="mod">
-          <ac:chgData name="PRAVESH PANWAR" userId="S::pravesh.panwar@lntinfotech.com::e315cf82-6b9c-46db-937a-5099670077ce" providerId="AD" clId="Web-{2EBB2FB6-0368-445F-88FC-6674A2F7FD10}" dt="2020-09-06T11:02:35.218" v="196" actId="20577"/>
-          <ac:spMkLst>
-            <pc:docMk/>
-            <pc:sldMk cId="3645423041" sldId="489"/>
-            <ac:spMk id="14" creationId="{A33384C4-2658-4867-9748-8E3E227C174C}"/>
-          </ac:spMkLst>
-        </pc:spChg>
-      </pc:sldChg>
-    </pc:docChg>
-  </pc:docChgLst>
-</pc:chgInfo>
 </file>
 
 <file path=ppt/handoutMasters/handoutMaster1.xml><?xml version="1.0" encoding="utf-8"?>
@@ -1499,7 +1177,7 @@
           <a:p>
             <a:fld id="{C764DE79-268F-4C1A-8933-263129D2AF90}" type="datetimeFigureOut">
               <a:rPr lang="en-US" dirty="0"/>
-              <a:t>9/6/2020</a:t>
+              <a:t>9/9/2020</a:t>
             </a:fld>
             <a:endParaRPr lang="en-US"/>
           </a:p>
@@ -1595,7 +1273,7 @@
           <a:p>
             <a:fld id="{C764DE79-268F-4C1A-8933-263129D2AF90}" type="datetimeFigureOut">
               <a:rPr lang="en-US" dirty="0"/>
-              <a:t>9/6/2020</a:t>
+              <a:t>9/9/2020</a:t>
             </a:fld>
             <a:endParaRPr lang="en-US"/>
           </a:p>
@@ -1871,7 +1549,7 @@
           <a:p>
             <a:fld id="{C764DE79-268F-4C1A-8933-263129D2AF90}" type="datetimeFigureOut">
               <a:rPr lang="en-US" dirty="0"/>
-              <a:t>9/6/2020</a:t>
+              <a:t>9/9/2020</a:t>
             </a:fld>
             <a:endParaRPr lang="en-US"/>
           </a:p>
@@ -2127,7 +1805,7 @@
           <a:p>
             <a:fld id="{C764DE79-268F-4C1A-8933-263129D2AF90}" type="datetimeFigureOut">
               <a:rPr lang="en-US" dirty="0"/>
-              <a:t>9/6/2020</a:t>
+              <a:t>9/9/2020</a:t>
             </a:fld>
             <a:endParaRPr lang="en-US"/>
           </a:p>
@@ -2296,7 +1974,7 @@
           <a:p>
             <a:fld id="{C764DE79-268F-4C1A-8933-263129D2AF90}" type="datetimeFigureOut">
               <a:rPr lang="en-US" dirty="0"/>
-              <a:t>9/6/2020</a:t>
+              <a:t>9/9/2020</a:t>
             </a:fld>
             <a:endParaRPr lang="en-US"/>
           </a:p>
@@ -2475,7 +2153,7 @@
           <a:p>
             <a:fld id="{C764DE79-268F-4C1A-8933-263129D2AF90}" type="datetimeFigureOut">
               <a:rPr lang="en-US" dirty="0"/>
-              <a:t>9/6/2020</a:t>
+              <a:t>9/9/2020</a:t>
             </a:fld>
             <a:endParaRPr lang="en-US"/>
           </a:p>
@@ -3299,7 +2977,7 @@
           <a:p>
             <a:fld id="{C764DE79-268F-4C1A-8933-263129D2AF90}" type="datetimeFigureOut">
               <a:rPr lang="en-US" dirty="0"/>
-              <a:t>9/6/2020</a:t>
+              <a:t>9/9/2020</a:t>
             </a:fld>
             <a:endParaRPr lang="en-US"/>
           </a:p>
@@ -3468,7 +3146,7 @@
           <a:p>
             <a:fld id="{C764DE79-268F-4C1A-8933-263129D2AF90}" type="datetimeFigureOut">
               <a:rPr lang="en-US" dirty="0"/>
-              <a:t>9/6/2020</a:t>
+              <a:t>9/9/2020</a:t>
             </a:fld>
             <a:endParaRPr lang="en-US"/>
           </a:p>
@@ -3714,7 +3392,7 @@
           <a:p>
             <a:fld id="{C764DE79-268F-4C1A-8933-263129D2AF90}" type="datetimeFigureOut">
               <a:rPr lang="en-US" dirty="0"/>
-              <a:t>9/6/2020</a:t>
+              <a:t>9/9/2020</a:t>
             </a:fld>
             <a:endParaRPr lang="en-US"/>
           </a:p>
@@ -3944,7 +3622,7 @@
           <a:p>
             <a:fld id="{C764DE79-268F-4C1A-8933-263129D2AF90}" type="datetimeFigureOut">
               <a:rPr lang="en-US" dirty="0"/>
-              <a:t>9/6/2020</a:t>
+              <a:t>9/9/2020</a:t>
             </a:fld>
             <a:endParaRPr lang="en-US"/>
           </a:p>
@@ -4309,7 +3987,7 @@
           <a:p>
             <a:fld id="{C764DE79-268F-4C1A-8933-263129D2AF90}" type="datetimeFigureOut">
               <a:rPr lang="en-US" dirty="0"/>
-              <a:t>9/6/2020</a:t>
+              <a:t>9/9/2020</a:t>
             </a:fld>
             <a:endParaRPr lang="en-US"/>
           </a:p>
@@ -18998,7 +18676,7 @@
           <a:p>
             <a:fld id="{C764DE79-268F-4C1A-8933-263129D2AF90}" type="datetimeFigureOut">
               <a:rPr lang="en-US" dirty="0"/>
-              <a:t>9/6/2020</a:t>
+              <a:t>9/9/2020</a:t>
             </a:fld>
             <a:endParaRPr lang="en-US"/>
           </a:p>
@@ -33683,201 +33361,6 @@
 </p:sld>
 </file>
 
-<file path=ppt/slides/slide10.xml><?xml version="1.0" encoding="utf-8"?>
-<p:sld xmlns:a="http://schemas.openxmlformats.org/drawingml/2006/main" xmlns:r="http://schemas.openxmlformats.org/officeDocument/2006/relationships" xmlns:p="http://schemas.openxmlformats.org/presentationml/2006/main">
-  <p:cSld>
-    <p:bg>
-      <p:bgRef idx="1001">
-        <a:schemeClr val="bg1"/>
-      </p:bgRef>
-    </p:bg>
-    <p:spTree>
-      <p:nvGrpSpPr>
-        <p:cNvPr id="1" name=""/>
-        <p:cNvGrpSpPr/>
-        <p:nvPr/>
-      </p:nvGrpSpPr>
-      <p:grpSpPr>
-        <a:xfrm>
-          <a:off x="0" y="0"/>
-          <a:ext cx="0" cy="0"/>
-          <a:chOff x="0" y="0"/>
-          <a:chExt cx="0" cy="0"/>
-        </a:xfrm>
-      </p:grpSpPr>
-      <p:sp>
-        <p:nvSpPr>
-          <p:cNvPr id="4" name="TextBox 3">
-            <a:extLst>
-              <a:ext uri="{FF2B5EF4-FFF2-40B4-BE49-F238E27FC236}">
-                <a16:creationId xmlns:a16="http://schemas.microsoft.com/office/drawing/2014/main" id="{83CC51E3-E419-4AB1-8316-5C2835430B1C}"/>
-              </a:ext>
-            </a:extLst>
-          </p:cNvPr>
-          <p:cNvSpPr txBox="1"/>
-          <p:nvPr/>
-        </p:nvSpPr>
-        <p:spPr>
-          <a:xfrm>
-            <a:off x="542925" y="140135"/>
-            <a:ext cx="8058148" cy="369332"/>
-          </a:xfrm>
-          <a:prstGeom prst="rect">
-            <a:avLst/>
-          </a:prstGeom>
-        </p:spPr>
-        <p:style>
-          <a:lnRef idx="0">
-            <a:schemeClr val="dk1"/>
-          </a:lnRef>
-          <a:fillRef idx="3">
-            <a:schemeClr val="dk1"/>
-          </a:fillRef>
-          <a:effectRef idx="3">
-            <a:schemeClr val="dk1"/>
-          </a:effectRef>
-          <a:fontRef idx="minor">
-            <a:schemeClr val="lt1"/>
-          </a:fontRef>
-        </p:style>
-        <p:txBody>
-          <a:bodyPr wrap="square" lIns="91440" tIns="45720" rIns="91440" bIns="45720" rtlCol="0" anchor="ctr">
-            <a:spAutoFit/>
-          </a:bodyPr>
-          <a:lstStyle/>
-          <a:p>
-            <a:r>
-              <a:rPr lang="en-US" sz="1800">
-                <a:cs typeface="Calibri"/>
-              </a:rPr>
-              <a:t>Acknowledgment</a:t>
-            </a:r>
-            <a:endParaRPr lang="en-US" sz="1800">
-              <a:latin typeface="+mn-lt"/>
-              <a:cs typeface="Calibri"/>
-            </a:endParaRPr>
-          </a:p>
-        </p:txBody>
-      </p:sp>
-      <p:sp>
-        <p:nvSpPr>
-          <p:cNvPr id="6" name="Rectangle 5">
-            <a:extLst>
-              <a:ext uri="{FF2B5EF4-FFF2-40B4-BE49-F238E27FC236}">
-                <a16:creationId xmlns:a16="http://schemas.microsoft.com/office/drawing/2014/main" id="{CCB79F84-A71F-4C90-A599-76F7E8C3FDCA}"/>
-              </a:ext>
-            </a:extLst>
-          </p:cNvPr>
-          <p:cNvSpPr/>
-          <p:nvPr/>
-        </p:nvSpPr>
-        <p:spPr>
-          <a:xfrm>
-            <a:off x="533398" y="785735"/>
-            <a:ext cx="8067675" cy="3730052"/>
-          </a:xfrm>
-          <a:prstGeom prst="rect">
-            <a:avLst/>
-          </a:prstGeom>
-        </p:spPr>
-        <p:style>
-          <a:lnRef idx="2">
-            <a:schemeClr val="accent5"/>
-          </a:lnRef>
-          <a:fillRef idx="1">
-            <a:schemeClr val="lt1"/>
-          </a:fillRef>
-          <a:effectRef idx="0">
-            <a:schemeClr val="accent5"/>
-          </a:effectRef>
-          <a:fontRef idx="minor">
-            <a:schemeClr val="dk1"/>
-          </a:fontRef>
-        </p:style>
-        <p:txBody>
-          <a:bodyPr lIns="91440" tIns="45720" rIns="91440" bIns="45720" rtlCol="0" anchor="t"/>
-          <a:lstStyle/>
-          <a:p>
-            <a:pPr marL="171450" indent="-171450" algn="l">
-              <a:buFont typeface="Arial"/>
-              <a:buChar char="•"/>
-            </a:pPr>
-            <a:endParaRPr lang="en-US" sz="1400" dirty="0">
-              <a:cs typeface="Calibri" panose="020F0502020204030204"/>
-            </a:endParaRPr>
-          </a:p>
-          <a:p>
-            <a:pPr marL="171450" indent="-171450" algn="l">
-              <a:buFont typeface="Arial"/>
-              <a:buChar char="•"/>
-            </a:pPr>
-            <a:r>
-              <a:rPr lang="en-US" sz="1400">
-                <a:cs typeface="Calibri" panose="020F0502020204030204"/>
-              </a:rPr>
-              <a:t>LTI CITI Hackhathon Team</a:t>
-            </a:r>
-          </a:p>
-          <a:p>
-            <a:pPr marL="171450" indent="-171450" algn="l">
-              <a:buFont typeface="Arial"/>
-              <a:buChar char="•"/>
-            </a:pPr>
-            <a:r>
-              <a:rPr lang="en-US" sz="1400">
-                <a:cs typeface="Calibri" panose="020F0502020204030204"/>
-              </a:rPr>
-              <a:t>IBM Mentor – Srikanth Manne</a:t>
-            </a:r>
-            <a:endParaRPr lang="en-US" sz="1400" dirty="0">
-              <a:cs typeface="Calibri" panose="020F0502020204030204"/>
-            </a:endParaRPr>
-          </a:p>
-        </p:txBody>
-      </p:sp>
-    </p:spTree>
-    <p:extLst>
-      <p:ext uri="{BB962C8B-B14F-4D97-AF65-F5344CB8AC3E}">
-        <p14:creationId xmlns:p14="http://schemas.microsoft.com/office/powerpoint/2010/main" val="4043162517"/>
-      </p:ext>
-    </p:extLst>
-  </p:cSld>
-  <p:clrMapOvr>
-    <a:overrideClrMapping bg1="lt1" tx1="dk1" bg2="lt2" tx2="dk2" accent1="accent1" accent2="accent2" accent3="accent3" accent4="accent4" accent5="accent5" accent6="accent6" hlink="hlink" folHlink="folHlink"/>
-  </p:clrMapOvr>
-</p:sld>
-</file>
-
-<file path=ppt/slides/slide11.xml><?xml version="1.0" encoding="utf-8"?>
-<p:sld xmlns:a="http://schemas.openxmlformats.org/drawingml/2006/main" xmlns:r="http://schemas.openxmlformats.org/officeDocument/2006/relationships" xmlns:p="http://schemas.openxmlformats.org/presentationml/2006/main">
-  <p:cSld>
-    <p:spTree>
-      <p:nvGrpSpPr>
-        <p:cNvPr id="1" name=""/>
-        <p:cNvGrpSpPr/>
-        <p:nvPr/>
-      </p:nvGrpSpPr>
-      <p:grpSpPr>
-        <a:xfrm>
-          <a:off x="0" y="0"/>
-          <a:ext cx="0" cy="0"/>
-          <a:chOff x="0" y="0"/>
-          <a:chExt cx="0" cy="0"/>
-        </a:xfrm>
-      </p:grpSpPr>
-    </p:spTree>
-    <p:extLst>
-      <p:ext uri="{BB962C8B-B14F-4D97-AF65-F5344CB8AC3E}">
-        <p14:creationId xmlns:p14="http://schemas.microsoft.com/office/powerpoint/2010/main" val="1331351567"/>
-      </p:ext>
-    </p:extLst>
-  </p:cSld>
-  <p:clrMapOvr>
-    <a:masterClrMapping/>
-  </p:clrMapOvr>
-</p:sld>
-</file>
-
 <file path=ppt/slides/slide2.xml><?xml version="1.0" encoding="utf-8"?>
 <p:sld xmlns:a="http://schemas.openxmlformats.org/drawingml/2006/main" xmlns:r="http://schemas.openxmlformats.org/officeDocument/2006/relationships" xmlns:p="http://schemas.openxmlformats.org/presentationml/2006/main">
   <p:cSld>
@@ -34045,7 +33528,7 @@
           </a:p>
           <a:p>
             <a:r>
-              <a:rPr lang="en-GB" sz="2000" b="1">
+              <a:rPr lang="en-GB" sz="1600" b="1">
                 <a:solidFill>
                   <a:srgbClr val="444444"/>
                 </a:solidFill>
@@ -34055,7 +33538,7 @@
               </a:rPr>
               <a:t>FINANCE PRODUCT RECOMMENDATION BASED ON</a:t>
             </a:r>
-            <a:endParaRPr lang="en-US" sz="2000" b="1">
+            <a:endParaRPr lang="en-US" sz="1600" b="1">
               <a:solidFill>
                 <a:srgbClr val="000000"/>
               </a:solidFill>
@@ -34066,7 +33549,7 @@
           </a:p>
           <a:p>
             <a:r>
-              <a:rPr lang="en-GB" sz="2000" b="1">
+              <a:rPr lang="en-GB" sz="1600" b="1">
                 <a:solidFill>
                   <a:srgbClr val="444444"/>
                 </a:solidFill>
@@ -34074,9 +33557,9 @@
                 <a:ea typeface="Calibri"/>
                 <a:cs typeface="Calibri"/>
               </a:rPr>
-              <a:t> CUSTOMER HISTORIC DATA</a:t>
+              <a:t> CUSTOMER PURCHASING POWER</a:t>
             </a:r>
-            <a:endParaRPr lang="en-US" sz="2000" b="1">
+            <a:endParaRPr lang="en-US" sz="1600" b="1">
               <a:cs typeface="Calibri" panose="020F0502020204030204"/>
             </a:endParaRPr>
           </a:p>
@@ -34221,13 +33704,23 @@
               <a:buChar char="•"/>
             </a:pPr>
             <a:r>
-              <a:rPr lang="en-GB" sz="1400">
+              <a:rPr lang="en-GB" sz="1800" dirty="0">
                 <a:ea typeface="+mn-lt"/>
                 <a:cs typeface="+mn-lt"/>
               </a:rPr>
-              <a:t>Watson Machine Learning</a:t>
+              <a:t>Prediction/Forecasting Model </a:t>
             </a:r>
-            <a:endParaRPr lang="en-US" sz="1400">
+            <a:endParaRPr lang="en-US" sz="1800" dirty="0">
+              <a:ea typeface="+mn-lt"/>
+              <a:cs typeface="+mn-lt"/>
+            </a:endParaRPr>
+          </a:p>
+          <a:p>
+            <a:pPr marL="171450" indent="-171450" algn="l">
+              <a:buFont typeface="Arial"/>
+              <a:buChar char="•"/>
+            </a:pPr>
+            <a:endParaRPr lang="en-GB" sz="1800" dirty="0">
               <a:ea typeface="+mn-lt"/>
               <a:cs typeface="+mn-lt"/>
             </a:endParaRPr>
@@ -34238,60 +33731,13 @@
               <a:buChar char="•"/>
             </a:pPr>
             <a:r>
-              <a:rPr lang="en-GB" sz="1400">
+              <a:rPr lang="en-GB" sz="1800" dirty="0">
                 <a:ea typeface="+mn-lt"/>
                 <a:cs typeface="+mn-lt"/>
               </a:rPr>
-              <a:t>Watson Studio</a:t>
+              <a:t>Dataset/Database</a:t>
             </a:r>
-            <a:endParaRPr lang="en-US" sz="1400">
-              <a:ea typeface="+mn-lt"/>
-              <a:cs typeface="+mn-lt"/>
-            </a:endParaRPr>
-          </a:p>
-          <a:p>
-            <a:pPr marL="171450" indent="-171450" algn="l">
-              <a:buFont typeface="Arial"/>
-              <a:buChar char="•"/>
-            </a:pPr>
-            <a:r>
-              <a:rPr lang="en-GB" sz="1400">
-                <a:ea typeface="+mn-lt"/>
-                <a:cs typeface="+mn-lt"/>
-              </a:rPr>
-              <a:t>Watson SPSS Data Modeller</a:t>
-            </a:r>
-          </a:p>
-          <a:p>
-            <a:pPr marL="171450" indent="-171450" algn="l">
-              <a:buFont typeface="Arial"/>
-              <a:buChar char="•"/>
-            </a:pPr>
-            <a:r>
-              <a:rPr lang="en-GB" sz="1400">
-                <a:ea typeface="+mn-lt"/>
-                <a:cs typeface="+mn-lt"/>
-              </a:rPr>
-              <a:t>Prediction/Forecasting Model (K-means Clusterning)</a:t>
-            </a:r>
-            <a:endParaRPr lang="en-US" sz="1400">
-              <a:ea typeface="+mn-lt"/>
-              <a:cs typeface="+mn-lt"/>
-            </a:endParaRPr>
-          </a:p>
-          <a:p>
-            <a:pPr marL="171450" indent="-171450" algn="l">
-              <a:buFont typeface="Arial"/>
-              <a:buChar char="•"/>
-            </a:pPr>
-            <a:r>
-              <a:rPr lang="en-GB" sz="1400">
-                <a:ea typeface="+mn-lt"/>
-                <a:cs typeface="+mn-lt"/>
-              </a:rPr>
-              <a:t>Datasets (CSV)</a:t>
-            </a:r>
-            <a:endParaRPr lang="en-US" sz="1400">
+            <a:endParaRPr lang="en-US" sz="1800" dirty="0">
               <a:cs typeface="Calibri"/>
             </a:endParaRPr>
           </a:p>
@@ -34300,25 +33746,9 @@
               <a:buFont typeface="Arial"/>
               <a:buChar char="•"/>
             </a:pPr>
-            <a:r>
-              <a:rPr lang="en-GB" sz="1400">
-                <a:ea typeface="+mn-lt"/>
-                <a:cs typeface="+mn-lt"/>
-              </a:rPr>
-              <a:t>Python</a:t>
-            </a:r>
-            <a:endParaRPr lang="en-GB" sz="1400" dirty="0">
+            <a:endParaRPr lang="en-GB" dirty="0">
               <a:ea typeface="+mn-lt"/>
               <a:cs typeface="+mn-lt"/>
-            </a:endParaRPr>
-          </a:p>
-          <a:p>
-            <a:pPr marL="171450" indent="-171450" algn="l">
-              <a:buFont typeface="Arial"/>
-              <a:buChar char="•"/>
-            </a:pPr>
-            <a:endParaRPr lang="en-GB" dirty="0">
-              <a:cs typeface="Calibri"/>
             </a:endParaRPr>
           </a:p>
           <a:p>
@@ -34405,7 +33835,7 @@
         </p:nvSpPr>
         <p:spPr>
           <a:xfrm>
-            <a:off x="480481" y="785735"/>
+            <a:off x="533398" y="785735"/>
             <a:ext cx="8067675" cy="1504013"/>
           </a:xfrm>
           <a:prstGeom prst="rect">
@@ -34432,17 +33862,6 @@
           <a:p>
             <a:pPr algn="l"/>
             <a:r>
-              <a:rPr lang="en-GB" sz="1800">
-                <a:solidFill>
-                  <a:srgbClr val="444444"/>
-                </a:solidFill>
-                <a:latin typeface="Calibri"/>
-                <a:ea typeface="Calibri"/>
-                <a:cs typeface="Calibri"/>
-              </a:rPr>
-              <a:t>Customer profile data would be fed to a prediction model, which will recommend a product, and the result will be displayed to </a:t>
-            </a:r>
-            <a:r>
               <a:rPr lang="en-GB" sz="1800" dirty="0">
                 <a:solidFill>
                   <a:srgbClr val="444444"/>
@@ -34451,9 +33870,9 @@
                 <a:ea typeface="Calibri"/>
                 <a:cs typeface="Calibri"/>
               </a:rPr>
-              <a:t>the user.</a:t>
+              <a:t>Customer profile data would be fed to a forecasting model, which will recommend a product, and the result will be displayed to the user.</a:t>
             </a:r>
-            <a:endParaRPr lang="en-US" sz="1800">
+            <a:endParaRPr lang="en-US" sz="1800" dirty="0">
               <a:cs typeface="Calibri"/>
             </a:endParaRPr>
           </a:p>
@@ -34585,7 +34004,7 @@
           <a:lstStyle/>
           <a:p>
             <a:pPr algn="l"/>
-            <a:endParaRPr lang="en-US" sz="1400" dirty="0">
+            <a:endParaRPr lang="en-US" dirty="0">
               <a:cs typeface="Calibri" panose="020F0502020204030204"/>
             </a:endParaRPr>
           </a:p>
@@ -34595,21 +34014,18 @@
               <a:buChar char="•"/>
             </a:pPr>
             <a:r>
-              <a:rPr lang="en-US" sz="1400">
+              <a:rPr lang="en-US" sz="1800" dirty="0">
                 <a:cs typeface="Calibri" panose="020F0502020204030204"/>
               </a:rPr>
               <a:t>With this system the users can get much relevant recommendation based on their requirement and other historical data.</a:t>
             </a:r>
-            <a:endParaRPr lang="en-US" sz="1400" dirty="0">
-              <a:cs typeface="Calibri" panose="020F0502020204030204"/>
-            </a:endParaRPr>
           </a:p>
           <a:p>
             <a:pPr marL="171450" indent="-171450" algn="l">
               <a:buFont typeface="Arial"/>
               <a:buChar char="•"/>
             </a:pPr>
-            <a:endParaRPr lang="en-US" sz="1400" dirty="0">
+            <a:endParaRPr lang="en-US" sz="1800" dirty="0">
               <a:cs typeface="Calibri" panose="020F0502020204030204"/>
             </a:endParaRPr>
           </a:p>
@@ -34619,21 +34035,18 @@
               <a:buChar char="•"/>
             </a:pPr>
             <a:r>
-              <a:rPr lang="en-US" sz="1400">
+              <a:rPr lang="en-US" sz="1800" dirty="0">
                 <a:cs typeface="Calibri" panose="020F0502020204030204"/>
               </a:rPr>
               <a:t>The vendors can approach the right audience for their respective product.</a:t>
             </a:r>
-            <a:endParaRPr lang="en-US" sz="1400" dirty="0">
-              <a:cs typeface="Calibri" panose="020F0502020204030204"/>
-            </a:endParaRPr>
           </a:p>
           <a:p>
             <a:pPr marL="171450" indent="-171450" algn="l">
               <a:buFont typeface="Arial"/>
               <a:buChar char="•"/>
             </a:pPr>
-            <a:endParaRPr lang="en-US" sz="1400" dirty="0">
+            <a:endParaRPr lang="en-US" sz="1800" dirty="0">
               <a:cs typeface="Calibri" panose="020F0502020204030204"/>
             </a:endParaRPr>
           </a:p>
@@ -34643,12 +34056,18 @@
               <a:buChar char="•"/>
             </a:pPr>
             <a:r>
-              <a:rPr lang="en-US" sz="1400">
+              <a:rPr lang="en-US" sz="1800" dirty="0">
                 <a:cs typeface="Calibri" panose="020F0502020204030204"/>
               </a:rPr>
               <a:t>The advertising companies can advertise the relevant people.</a:t>
             </a:r>
-            <a:endParaRPr lang="en-US" sz="1400" dirty="0">
+          </a:p>
+          <a:p>
+            <a:pPr marL="171450" indent="-171450" algn="l">
+              <a:buFont typeface="Arial"/>
+              <a:buChar char="•"/>
+            </a:pPr>
+            <a:endParaRPr lang="en-US" dirty="0">
               <a:cs typeface="Calibri" panose="020F0502020204030204"/>
             </a:endParaRPr>
           </a:p>
@@ -34657,16 +34076,7 @@
               <a:buFont typeface="Arial"/>
               <a:buChar char="•"/>
             </a:pPr>
-            <a:endParaRPr lang="en-US" sz="1400" dirty="0">
-              <a:cs typeface="Calibri" panose="020F0502020204030204"/>
-            </a:endParaRPr>
-          </a:p>
-          <a:p>
-            <a:pPr marL="171450" indent="-171450" algn="l">
-              <a:buFont typeface="Arial"/>
-              <a:buChar char="•"/>
-            </a:pPr>
-            <a:endParaRPr lang="en-US" sz="1400" dirty="0">
+            <a:endParaRPr lang="en-US" dirty="0">
               <a:cs typeface="Calibri" panose="020F0502020204030204"/>
             </a:endParaRPr>
           </a:p>
@@ -34686,6 +34096,378 @@
 </file>
 
 <file path=ppt/slides/slide5.xml><?xml version="1.0" encoding="utf-8"?>
+<p:sld xmlns:a="http://schemas.openxmlformats.org/drawingml/2006/main" xmlns:r="http://schemas.openxmlformats.org/officeDocument/2006/relationships" xmlns:p="http://schemas.openxmlformats.org/presentationml/2006/main">
+  <p:cSld>
+    <p:bg>
+      <p:bgRef idx="1001">
+        <a:schemeClr val="bg1"/>
+      </p:bgRef>
+    </p:bg>
+    <p:spTree>
+      <p:nvGrpSpPr>
+        <p:cNvPr id="1" name=""/>
+        <p:cNvGrpSpPr/>
+        <p:nvPr/>
+      </p:nvGrpSpPr>
+      <p:grpSpPr>
+        <a:xfrm>
+          <a:off x="0" y="0"/>
+          <a:ext cx="0" cy="0"/>
+          <a:chOff x="0" y="0"/>
+          <a:chExt cx="0" cy="0"/>
+        </a:xfrm>
+      </p:grpSpPr>
+      <p:sp>
+        <p:nvSpPr>
+          <p:cNvPr id="4" name="TextBox 3">
+            <a:extLst>
+              <a:ext uri="{FF2B5EF4-FFF2-40B4-BE49-F238E27FC236}">
+                <a16:creationId xmlns:a16="http://schemas.microsoft.com/office/drawing/2014/main" id="{83CC51E3-E419-4AB1-8316-5C2835430B1C}"/>
+              </a:ext>
+            </a:extLst>
+          </p:cNvPr>
+          <p:cNvSpPr txBox="1"/>
+          <p:nvPr/>
+        </p:nvSpPr>
+        <p:spPr>
+          <a:xfrm>
+            <a:off x="542925" y="140135"/>
+            <a:ext cx="8058148" cy="369332"/>
+          </a:xfrm>
+          <a:prstGeom prst="rect">
+            <a:avLst/>
+          </a:prstGeom>
+        </p:spPr>
+        <p:style>
+          <a:lnRef idx="0">
+            <a:schemeClr val="dk1"/>
+          </a:lnRef>
+          <a:fillRef idx="3">
+            <a:schemeClr val="dk1"/>
+          </a:fillRef>
+          <a:effectRef idx="3">
+            <a:schemeClr val="dk1"/>
+          </a:effectRef>
+          <a:fontRef idx="minor">
+            <a:schemeClr val="lt1"/>
+          </a:fontRef>
+        </p:style>
+        <p:txBody>
+          <a:bodyPr wrap="square" rtlCol="0" anchor="ctr">
+            <a:spAutoFit/>
+          </a:bodyPr>
+          <a:lstStyle/>
+          <a:p>
+            <a:r>
+              <a:rPr lang="en-US" sz="1800" dirty="0"/>
+              <a:t>Architecture</a:t>
+            </a:r>
+            <a:endParaRPr lang="en-US" sz="1800" dirty="0">
+              <a:latin typeface="+mn-lt"/>
+            </a:endParaRPr>
+          </a:p>
+        </p:txBody>
+      </p:sp>
+      <p:sp>
+        <p:nvSpPr>
+          <p:cNvPr id="6" name="Rectangle 5">
+            <a:extLst>
+              <a:ext uri="{FF2B5EF4-FFF2-40B4-BE49-F238E27FC236}">
+                <a16:creationId xmlns:a16="http://schemas.microsoft.com/office/drawing/2014/main" id="{CCB79F84-A71F-4C90-A599-76F7E8C3FDCA}"/>
+              </a:ext>
+            </a:extLst>
+          </p:cNvPr>
+          <p:cNvSpPr/>
+          <p:nvPr/>
+        </p:nvSpPr>
+        <p:spPr>
+          <a:xfrm>
+            <a:off x="533398" y="785735"/>
+            <a:ext cx="8067675" cy="3730052"/>
+          </a:xfrm>
+          <a:prstGeom prst="rect">
+            <a:avLst/>
+          </a:prstGeom>
+        </p:spPr>
+        <p:style>
+          <a:lnRef idx="2">
+            <a:schemeClr val="accent5"/>
+          </a:lnRef>
+          <a:fillRef idx="1">
+            <a:schemeClr val="lt1"/>
+          </a:fillRef>
+          <a:effectRef idx="0">
+            <a:schemeClr val="accent5"/>
+          </a:effectRef>
+          <a:fontRef idx="minor">
+            <a:schemeClr val="dk1"/>
+          </a:fontRef>
+        </p:style>
+        <p:txBody>
+          <a:bodyPr lIns="91440" tIns="45720" rIns="91440" bIns="45720" rtlCol="0" anchor="t"/>
+          <a:lstStyle/>
+          <a:p>
+            <a:pPr algn="l"/>
+            <a:endParaRPr lang="en-US" dirty="0">
+              <a:cs typeface="Calibri" panose="020F0502020204030204"/>
+            </a:endParaRPr>
+          </a:p>
+          <a:p>
+            <a:pPr algn="l"/>
+            <a:endParaRPr lang="en-US" sz="1800" dirty="0">
+              <a:cs typeface="Calibri" panose="020F0502020204030204"/>
+            </a:endParaRPr>
+          </a:p>
+          <a:p>
+            <a:pPr marL="171450" indent="-171450" algn="l">
+              <a:buFont typeface="Arial"/>
+              <a:buChar char="•"/>
+            </a:pPr>
+            <a:endParaRPr lang="en-US" dirty="0">
+              <a:cs typeface="Calibri" panose="020F0502020204030204"/>
+            </a:endParaRPr>
+          </a:p>
+          <a:p>
+            <a:pPr marL="171450" indent="-171450" algn="l">
+              <a:buFont typeface="Arial"/>
+              <a:buChar char="•"/>
+            </a:pPr>
+            <a:endParaRPr lang="en-US" dirty="0">
+              <a:cs typeface="Calibri" panose="020F0502020204030204"/>
+            </a:endParaRPr>
+          </a:p>
+        </p:txBody>
+      </p:sp>
+      <p:pic>
+        <p:nvPicPr>
+          <p:cNvPr id="3" name="Picture 2" descr="A close up of a logo&#10;&#10;Description automatically generated">
+            <a:extLst>
+              <a:ext uri="{FF2B5EF4-FFF2-40B4-BE49-F238E27FC236}">
+                <a16:creationId xmlns:a16="http://schemas.microsoft.com/office/drawing/2014/main" id="{6DB330F1-B76B-4815-B94E-9EBA74E2446C}"/>
+              </a:ext>
+            </a:extLst>
+          </p:cNvPr>
+          <p:cNvPicPr>
+            <a:picLocks noChangeAspect="1"/>
+          </p:cNvPicPr>
+          <p:nvPr/>
+        </p:nvPicPr>
+        <p:blipFill>
+          <a:blip r:embed="rId2"/>
+          <a:stretch>
+            <a:fillRect/>
+          </a:stretch>
+        </p:blipFill>
+        <p:spPr>
+          <a:xfrm>
+            <a:off x="833229" y="1284231"/>
+            <a:ext cx="7477542" cy="2743677"/>
+          </a:xfrm>
+          <a:prstGeom prst="rect">
+            <a:avLst/>
+          </a:prstGeom>
+        </p:spPr>
+      </p:pic>
+    </p:spTree>
+    <p:extLst>
+      <p:ext uri="{BB962C8B-B14F-4D97-AF65-F5344CB8AC3E}">
+        <p14:creationId xmlns:p14="http://schemas.microsoft.com/office/powerpoint/2010/main" val="1075708155"/>
+      </p:ext>
+    </p:extLst>
+  </p:cSld>
+  <p:clrMapOvr>
+    <a:overrideClrMapping bg1="lt1" tx1="dk1" bg2="lt2" tx2="dk2" accent1="accent1" accent2="accent2" accent3="accent3" accent4="accent4" accent5="accent5" accent6="accent6" hlink="hlink" folHlink="folHlink"/>
+  </p:clrMapOvr>
+</p:sld>
+</file>
+
+<file path=ppt/slides/slide6.xml><?xml version="1.0" encoding="utf-8"?>
+<p:sld xmlns:a="http://schemas.openxmlformats.org/drawingml/2006/main" xmlns:r="http://schemas.openxmlformats.org/officeDocument/2006/relationships" xmlns:p="http://schemas.openxmlformats.org/presentationml/2006/main">
+  <p:cSld>
+    <p:bg>
+      <p:bgRef idx="1001">
+        <a:schemeClr val="bg1"/>
+      </p:bgRef>
+    </p:bg>
+    <p:spTree>
+      <p:nvGrpSpPr>
+        <p:cNvPr id="1" name=""/>
+        <p:cNvGrpSpPr/>
+        <p:nvPr/>
+      </p:nvGrpSpPr>
+      <p:grpSpPr>
+        <a:xfrm>
+          <a:off x="0" y="0"/>
+          <a:ext cx="0" cy="0"/>
+          <a:chOff x="0" y="0"/>
+          <a:chExt cx="0" cy="0"/>
+        </a:xfrm>
+      </p:grpSpPr>
+      <p:sp>
+        <p:nvSpPr>
+          <p:cNvPr id="4" name="TextBox 3">
+            <a:extLst>
+              <a:ext uri="{FF2B5EF4-FFF2-40B4-BE49-F238E27FC236}">
+                <a16:creationId xmlns:a16="http://schemas.microsoft.com/office/drawing/2014/main" id="{83CC51E3-E419-4AB1-8316-5C2835430B1C}"/>
+              </a:ext>
+            </a:extLst>
+          </p:cNvPr>
+          <p:cNvSpPr txBox="1"/>
+          <p:nvPr/>
+        </p:nvSpPr>
+        <p:spPr>
+          <a:xfrm>
+            <a:off x="542925" y="140135"/>
+            <a:ext cx="8058148" cy="369332"/>
+          </a:xfrm>
+          <a:prstGeom prst="rect">
+            <a:avLst/>
+          </a:prstGeom>
+        </p:spPr>
+        <p:style>
+          <a:lnRef idx="0">
+            <a:schemeClr val="dk1"/>
+          </a:lnRef>
+          <a:fillRef idx="3">
+            <a:schemeClr val="dk1"/>
+          </a:fillRef>
+          <a:effectRef idx="3">
+            <a:schemeClr val="dk1"/>
+          </a:effectRef>
+          <a:fontRef idx="minor">
+            <a:schemeClr val="lt1"/>
+          </a:fontRef>
+        </p:style>
+        <p:txBody>
+          <a:bodyPr wrap="square" rtlCol="0" anchor="ctr">
+            <a:spAutoFit/>
+          </a:bodyPr>
+          <a:lstStyle/>
+          <a:p>
+            <a:r>
+              <a:rPr lang="en-US" sz="1800" dirty="0"/>
+              <a:t>Flow Chart</a:t>
+            </a:r>
+            <a:endParaRPr lang="en-US" sz="1800" dirty="0">
+              <a:latin typeface="+mn-lt"/>
+            </a:endParaRPr>
+          </a:p>
+        </p:txBody>
+      </p:sp>
+      <p:sp>
+        <p:nvSpPr>
+          <p:cNvPr id="6" name="Rectangle 5">
+            <a:extLst>
+              <a:ext uri="{FF2B5EF4-FFF2-40B4-BE49-F238E27FC236}">
+                <a16:creationId xmlns:a16="http://schemas.microsoft.com/office/drawing/2014/main" id="{CCB79F84-A71F-4C90-A599-76F7E8C3FDCA}"/>
+              </a:ext>
+            </a:extLst>
+          </p:cNvPr>
+          <p:cNvSpPr/>
+          <p:nvPr/>
+        </p:nvSpPr>
+        <p:spPr>
+          <a:xfrm>
+            <a:off x="533398" y="785735"/>
+            <a:ext cx="8067675" cy="3730052"/>
+          </a:xfrm>
+          <a:prstGeom prst="rect">
+            <a:avLst/>
+          </a:prstGeom>
+        </p:spPr>
+        <p:style>
+          <a:lnRef idx="2">
+            <a:schemeClr val="accent5"/>
+          </a:lnRef>
+          <a:fillRef idx="1">
+            <a:schemeClr val="lt1"/>
+          </a:fillRef>
+          <a:effectRef idx="0">
+            <a:schemeClr val="accent5"/>
+          </a:effectRef>
+          <a:fontRef idx="minor">
+            <a:schemeClr val="dk1"/>
+          </a:fontRef>
+        </p:style>
+        <p:txBody>
+          <a:bodyPr lIns="91440" tIns="45720" rIns="91440" bIns="45720" rtlCol="0" anchor="t"/>
+          <a:lstStyle/>
+          <a:p>
+            <a:pPr algn="l"/>
+            <a:endParaRPr lang="en-US" dirty="0">
+              <a:cs typeface="Calibri" panose="020F0502020204030204"/>
+            </a:endParaRPr>
+          </a:p>
+          <a:p>
+            <a:pPr algn="l"/>
+            <a:endParaRPr lang="en-US" sz="1800" dirty="0">
+              <a:cs typeface="Calibri" panose="020F0502020204030204"/>
+            </a:endParaRPr>
+          </a:p>
+          <a:p>
+            <a:pPr marL="171450" indent="-171450" algn="l">
+              <a:buFont typeface="Arial"/>
+              <a:buChar char="•"/>
+            </a:pPr>
+            <a:endParaRPr lang="en-US" dirty="0">
+              <a:cs typeface="Calibri" panose="020F0502020204030204"/>
+            </a:endParaRPr>
+          </a:p>
+          <a:p>
+            <a:pPr marL="171450" indent="-171450" algn="l">
+              <a:buFont typeface="Arial"/>
+              <a:buChar char="•"/>
+            </a:pPr>
+            <a:endParaRPr lang="en-US" dirty="0">
+              <a:cs typeface="Calibri" panose="020F0502020204030204"/>
+            </a:endParaRPr>
+          </a:p>
+        </p:txBody>
+      </p:sp>
+      <p:pic>
+        <p:nvPicPr>
+          <p:cNvPr id="5" name="Picture 4" descr="A screenshot of a cell phone&#10;&#10;Description automatically generated">
+            <a:extLst>
+              <a:ext uri="{FF2B5EF4-FFF2-40B4-BE49-F238E27FC236}">
+                <a16:creationId xmlns:a16="http://schemas.microsoft.com/office/drawing/2014/main" id="{096B72A0-CB93-4049-973C-4461A80DFACE}"/>
+              </a:ext>
+            </a:extLst>
+          </p:cNvPr>
+          <p:cNvPicPr>
+            <a:picLocks noChangeAspect="1"/>
+          </p:cNvPicPr>
+          <p:nvPr/>
+        </p:nvPicPr>
+        <p:blipFill>
+          <a:blip r:embed="rId2"/>
+          <a:stretch>
+            <a:fillRect/>
+          </a:stretch>
+        </p:blipFill>
+        <p:spPr>
+          <a:xfrm>
+            <a:off x="1531639" y="879693"/>
+            <a:ext cx="6071191" cy="3384114"/>
+          </a:xfrm>
+          <a:prstGeom prst="rect">
+            <a:avLst/>
+          </a:prstGeom>
+        </p:spPr>
+      </p:pic>
+    </p:spTree>
+    <p:extLst>
+      <p:ext uri="{BB962C8B-B14F-4D97-AF65-F5344CB8AC3E}">
+        <p14:creationId xmlns:p14="http://schemas.microsoft.com/office/powerpoint/2010/main" val="1630474592"/>
+      </p:ext>
+    </p:extLst>
+  </p:cSld>
+  <p:clrMapOvr>
+    <a:overrideClrMapping bg1="lt1" tx1="dk1" bg2="lt2" tx2="dk2" accent1="accent1" accent2="accent2" accent3="accent3" accent4="accent4" accent5="accent5" accent6="accent6" hlink="hlink" folHlink="folHlink"/>
+  </p:clrMapOvr>
+</p:sld>
+</file>
+
+<file path=ppt/slides/slide7.xml><?xml version="1.0" encoding="utf-8"?>
 <p:sld xmlns:a="http://schemas.openxmlformats.org/drawingml/2006/main" xmlns:r="http://schemas.openxmlformats.org/officeDocument/2006/relationships" xmlns:p="http://schemas.openxmlformats.org/presentationml/2006/main">
   <p:cSld>
     <p:spTree>
@@ -34795,7 +34577,7 @@
               <a:buFont typeface="Arial"/>
               <a:buChar char="•"/>
             </a:pPr>
-            <a:endParaRPr lang="en-US" sz="1600" dirty="0">
+            <a:endParaRPr lang="en-US" sz="1100" dirty="0">
               <a:cs typeface="Calibri" panose="020F0502020204030204"/>
             </a:endParaRPr>
           </a:p>
@@ -34805,12 +34587,66 @@
               <a:buChar char="•"/>
             </a:pPr>
             <a:r>
-              <a:rPr lang="en-US" sz="1600">
+              <a:rPr lang="en-US" sz="1800" dirty="0">
                 <a:cs typeface="Calibri" panose="020F0502020204030204"/>
               </a:rPr>
-              <a:t>Datasets has been identified according to problem statement.</a:t>
+              <a:t>We were able to produce and train 3 models for this use case.</a:t>
             </a:r>
-            <a:endParaRPr lang="en-US" sz="1600" dirty="0">
+          </a:p>
+          <a:p>
+            <a:pPr marL="561076" lvl="1" indent="-171450" algn="l">
+              <a:buFont typeface="Arial"/>
+              <a:buChar char="•"/>
+            </a:pPr>
+            <a:r>
+              <a:rPr lang="en-US" sz="1800" dirty="0">
+                <a:cs typeface="Calibri" panose="020F0502020204030204"/>
+              </a:rPr>
+              <a:t>Extreme Gradient Boosting</a:t>
+            </a:r>
+          </a:p>
+          <a:p>
+            <a:pPr marL="561076" lvl="1" indent="-171450" algn="l">
+              <a:buFont typeface="Arial"/>
+              <a:buChar char="•"/>
+            </a:pPr>
+            <a:r>
+              <a:rPr lang="en-US" sz="1800" dirty="0">
+                <a:cs typeface="Calibri" panose="020F0502020204030204"/>
+              </a:rPr>
+              <a:t>Random Forest Classification</a:t>
+            </a:r>
+          </a:p>
+          <a:p>
+            <a:pPr marL="561076" lvl="1" indent="-171450" algn="l">
+              <a:buFont typeface="Arial"/>
+              <a:buChar char="•"/>
+            </a:pPr>
+            <a:r>
+              <a:rPr lang="en-US" sz="1800" dirty="0">
+                <a:cs typeface="Calibri" panose="020F0502020204030204"/>
+              </a:rPr>
+              <a:t>Logistic Regression</a:t>
+            </a:r>
+          </a:p>
+          <a:p>
+            <a:pPr marL="171450" indent="-171450" algn="l">
+              <a:buFont typeface="Arial"/>
+              <a:buChar char="•"/>
+            </a:pPr>
+            <a:r>
+              <a:rPr lang="en-US" sz="1800" dirty="0">
+                <a:cs typeface="Calibri" panose="020F0502020204030204"/>
+              </a:rPr>
+              <a:t>Along with considerable contribution from our IBM mentor, Srikanth Manne, we were able to build an SPSS model.</a:t>
+            </a:r>
+          </a:p>
+          <a:p>
+            <a:pPr marL="171450" indent="-171450" algn="l">
+              <a:buFont typeface="Arial"/>
+              <a:buChar char="•"/>
+            </a:pPr>
+            <a:endParaRPr lang="en-US" dirty="0">
               <a:cs typeface="Calibri" panose="020F0502020204030204"/>
             </a:endParaRPr>
           </a:p>
@@ -34819,98 +34655,8 @@
               <a:buFont typeface="Arial"/>
               <a:buChar char="•"/>
             </a:pPr>
-            <a:r>
-              <a:rPr lang="en-US" sz="1600">
-                <a:cs typeface="Calibri" panose="020F0502020204030204"/>
-              </a:rPr>
-              <a:t>Data analysis, cleaning and pre-processing was performed.</a:t>
-            </a:r>
-            <a:endParaRPr lang="en-US" sz="1600" dirty="0">
+            <a:endParaRPr lang="en-US" dirty="0">
               <a:cs typeface="Calibri" panose="020F0502020204030204"/>
-            </a:endParaRPr>
-          </a:p>
-          <a:p>
-            <a:pPr marL="171450" indent="-171450" algn="l">
-              <a:buFont typeface="Arial"/>
-              <a:buChar char="•"/>
-            </a:pPr>
-            <a:r>
-              <a:rPr lang="en-US" sz="1600">
-                <a:cs typeface="Calibri" panose="020F0502020204030204"/>
-              </a:rPr>
-              <a:t>String data was converted into numeric values.</a:t>
-            </a:r>
-            <a:endParaRPr lang="en-US" sz="1600" dirty="0">
-              <a:cs typeface="Calibri" panose="020F0502020204030204"/>
-            </a:endParaRPr>
-          </a:p>
-          <a:p>
-            <a:pPr marL="171450" indent="-171450" algn="l">
-              <a:buFont typeface="Arial"/>
-              <a:buChar char="•"/>
-            </a:pPr>
-            <a:r>
-              <a:rPr lang="en-US" sz="1600">
-                <a:cs typeface="Calibri" panose="020F0502020204030204"/>
-              </a:rPr>
-              <a:t>Watson Jupyter notebook was explored and used to develop model.</a:t>
-            </a:r>
-            <a:endParaRPr lang="en-US" sz="1600" dirty="0">
-              <a:cs typeface="Calibri" panose="020F0502020204030204"/>
-            </a:endParaRPr>
-          </a:p>
-          <a:p>
-            <a:pPr marL="171450" indent="-171450" algn="l">
-              <a:buFont typeface="Arial"/>
-              <a:buChar char="•"/>
-            </a:pPr>
-            <a:r>
-              <a:rPr lang="en-US" sz="1600">
-                <a:cs typeface="Calibri" panose="020F0502020204030204"/>
-              </a:rPr>
-              <a:t>Watson SPSS Data Modeller was used to build and export model.</a:t>
-            </a:r>
-            <a:endParaRPr lang="en-US" sz="1600" dirty="0">
-              <a:cs typeface="Calibri" panose="020F0502020204030204"/>
-            </a:endParaRPr>
-          </a:p>
-          <a:p>
-            <a:pPr marL="171450" indent="-171450" algn="l">
-              <a:buFont typeface="Arial"/>
-              <a:buChar char="•"/>
-            </a:pPr>
-            <a:r>
-              <a:rPr lang="en-US" sz="1600">
-                <a:cs typeface="Calibri" panose="020F0502020204030204"/>
-              </a:rPr>
-              <a:t>Model was deployed using Watson ML.</a:t>
-            </a:r>
-            <a:endParaRPr lang="en-US" sz="1600" dirty="0">
-              <a:cs typeface="Calibri" panose="020F0502020204030204"/>
-            </a:endParaRPr>
-          </a:p>
-          <a:p>
-            <a:pPr marL="171450" indent="-171450" algn="l">
-              <a:buFont typeface="Arial"/>
-              <a:buChar char="•"/>
-            </a:pPr>
-            <a:r>
-              <a:rPr lang="en-US" sz="1600">
-                <a:cs typeface="Calibri" panose="020F0502020204030204"/>
-              </a:rPr>
-              <a:t>Model was exposed as a service (REST-API).</a:t>
-            </a:r>
-            <a:endParaRPr lang="en-US" sz="1600" dirty="0">
-              <a:cs typeface="Calibri" panose="020F0502020204030204"/>
-            </a:endParaRPr>
-          </a:p>
-          <a:p>
-            <a:pPr marL="171450" indent="-171450" algn="l">
-              <a:buFont typeface="Arial"/>
-              <a:buChar char="•"/>
-            </a:pPr>
-            <a:endParaRPr lang="en-US" sz="1600" dirty="0">
-              <a:cs typeface="Calibri"/>
             </a:endParaRPr>
           </a:p>
         </p:txBody>
@@ -34928,7 +34674,7 @@
 </p:sld>
 </file>
 
-<file path=ppt/slides/slide6.xml><?xml version="1.0" encoding="utf-8"?>
+<file path=ppt/slides/slide8.xml><?xml version="1.0" encoding="utf-8"?>
 <p:sld xmlns:a="http://schemas.openxmlformats.org/drawingml/2006/main" xmlns:r="http://schemas.openxmlformats.org/officeDocument/2006/relationships" xmlns:p="http://schemas.openxmlformats.org/presentationml/2006/main">
   <p:cSld>
     <p:spTree>
@@ -35048,18 +34794,19 @@
               <a:buChar char="•"/>
             </a:pPr>
             <a:r>
-              <a:rPr lang="en-US" sz="1400">
-                <a:cs typeface="Calibri"/>
+              <a:rPr lang="en-US" sz="1800" dirty="0">
+                <a:cs typeface="Calibri" panose="020F0502020204030204"/>
               </a:rPr>
               <a:t>Challenges:</a:t>
             </a:r>
+            <a:endParaRPr lang="en-US" sz="1800" dirty="0"/>
           </a:p>
           <a:p>
             <a:pPr marL="560705" lvl="1" indent="-171450" algn="l">
               <a:buFont typeface="Arial" panose="020B0604020202020204" pitchFamily="34" charset="0"/>
               <a:buChar char="•"/>
             </a:pPr>
-            <a:endParaRPr lang="en-US" sz="1400" dirty="0">
+            <a:endParaRPr lang="en-US" sz="1800" dirty="0">
               <a:ea typeface="+mn-lt"/>
               <a:cs typeface="+mn-lt"/>
             </a:endParaRPr>
@@ -35070,16 +34817,12 @@
               <a:buChar char="•"/>
             </a:pPr>
             <a:r>
-              <a:rPr lang="en-US" sz="1400">
+              <a:rPr lang="en-US" sz="1800" dirty="0">
                 <a:ea typeface="+mn-lt"/>
                 <a:cs typeface="+mn-lt"/>
               </a:rPr>
               <a:t>Selecting the appropriate Data Sets</a:t>
             </a:r>
-            <a:endParaRPr lang="en-US" sz="1400" dirty="0">
-              <a:ea typeface="+mn-lt"/>
-              <a:cs typeface="+mn-lt"/>
-            </a:endParaRPr>
           </a:p>
           <a:p>
             <a:pPr marL="560705" lvl="1" indent="-171450" algn="l">
@@ -35087,37 +34830,7 @@
               <a:buChar char="•"/>
             </a:pPr>
             <a:r>
-              <a:rPr lang="en-US" sz="1400">
-                <a:cs typeface="Calibri" panose="020F0502020204030204"/>
-              </a:rPr>
-              <a:t>Data pre-processing</a:t>
-            </a:r>
-            <a:endParaRPr lang="en-US" sz="1400" dirty="0">
-              <a:cs typeface="Calibri" panose="020F0502020204030204"/>
-            </a:endParaRPr>
-          </a:p>
-          <a:p>
-            <a:pPr marL="560705" lvl="1" indent="-171450" algn="l">
-              <a:buFont typeface="Arial" panose="020B0604020202020204" pitchFamily="34" charset="0"/>
-              <a:buChar char="•"/>
-            </a:pPr>
-            <a:r>
-              <a:rPr lang="en-US" sz="1400">
-                <a:cs typeface="Calibri" panose="020F0502020204030204"/>
-              </a:rPr>
-              <a:t>Building the model using SPSS modeller</a:t>
-            </a:r>
-            <a:endParaRPr lang="en-US" sz="1400" dirty="0">
-              <a:cs typeface="Calibri" panose="020F0502020204030204"/>
-            </a:endParaRPr>
-          </a:p>
-          <a:p>
-            <a:pPr marL="560705" lvl="1" indent="-171450" algn="l">
-              <a:buFont typeface="Arial" panose="020B0604020202020204" pitchFamily="34" charset="0"/>
-              <a:buChar char="•"/>
-            </a:pPr>
-            <a:r>
-              <a:rPr lang="en-US" sz="1400" dirty="0">
+              <a:rPr lang="en-US" sz="1800" dirty="0">
                 <a:cs typeface="Calibri" panose="020F0502020204030204"/>
               </a:rPr>
               <a:t>Integrating the components</a:t>
@@ -35129,12 +34842,18 @@
               <a:buChar char="•"/>
             </a:pPr>
             <a:r>
-              <a:rPr lang="en-US" sz="1400">
+              <a:rPr lang="en-US" sz="1800" dirty="0">
                 <a:cs typeface="Calibri" panose="020F0502020204030204"/>
               </a:rPr>
-              <a:t>Connecting with Watson ML</a:t>
+              <a:t>Deploying the model</a:t>
             </a:r>
-            <a:endParaRPr lang="en-US" sz="1400" dirty="0">
+          </a:p>
+          <a:p>
+            <a:pPr marL="560705" lvl="1" indent="-171450" algn="l">
+              <a:buFont typeface="Arial" panose="020B0604020202020204" pitchFamily="34" charset="0"/>
+              <a:buChar char="•"/>
+            </a:pPr>
+            <a:endParaRPr lang="en-US" sz="1800" dirty="0">
               <a:cs typeface="Calibri" panose="020F0502020204030204"/>
             </a:endParaRPr>
           </a:p>
@@ -35143,22 +34862,7 @@
               <a:buFont typeface="Arial" panose="020B0604020202020204" pitchFamily="34" charset="0"/>
               <a:buChar char="•"/>
             </a:pPr>
-            <a:r>
-              <a:rPr lang="en-US" sz="1400">
-                <a:cs typeface="Calibri" panose="020F0502020204030204"/>
-              </a:rPr>
-              <a:t>Communication </a:t>
-            </a:r>
-            <a:endParaRPr lang="en-US" sz="1400" dirty="0">
-              <a:cs typeface="Calibri" panose="020F0502020204030204"/>
-            </a:endParaRPr>
-          </a:p>
-          <a:p>
-            <a:pPr marL="560705" lvl="1" indent="-171450" algn="l">
-              <a:buFont typeface="Arial" panose="020B0604020202020204" pitchFamily="34" charset="0"/>
-              <a:buChar char="•"/>
-            </a:pPr>
-            <a:endParaRPr lang="en-US" sz="1400" dirty="0">
+            <a:endParaRPr lang="en-US" sz="1800" dirty="0">
               <a:cs typeface="Calibri" panose="020F0502020204030204"/>
             </a:endParaRPr>
           </a:p>
@@ -35168,21 +34872,18 @@
               <a:buChar char="•"/>
             </a:pPr>
             <a:r>
-              <a:rPr lang="en-US" sz="1400">
+              <a:rPr lang="en-US" sz="1800" dirty="0">
                 <a:cs typeface="Calibri" panose="020F0502020204030204"/>
               </a:rPr>
               <a:t>Learnings:</a:t>
             </a:r>
-            <a:endParaRPr lang="en-US" sz="1400" dirty="0">
-              <a:cs typeface="Calibri" panose="020F0502020204030204"/>
-            </a:endParaRPr>
           </a:p>
           <a:p>
             <a:pPr marL="560705" lvl="1" indent="-171450" algn="l">
               <a:buFont typeface="Arial,Sans-Serif" panose="020B0604020202020204" pitchFamily="34" charset="0"/>
               <a:buChar char="•"/>
             </a:pPr>
-            <a:endParaRPr lang="en-US" sz="1400" dirty="0">
+            <a:endParaRPr lang="en-US" sz="1800" dirty="0">
               <a:cs typeface="Calibri" panose="020F0502020204030204"/>
             </a:endParaRPr>
           </a:p>
@@ -35192,14 +34893,11 @@
               <a:buChar char="•"/>
             </a:pPr>
             <a:r>
-              <a:rPr lang="en-US" sz="1400">
+              <a:rPr lang="en-US" sz="1800" dirty="0">
                 <a:cs typeface="Calibri" panose="020F0502020204030204"/>
               </a:rPr>
               <a:t>Various data pre-processing cleaning approaches</a:t>
             </a:r>
-            <a:endParaRPr lang="en-US" sz="1400" dirty="0">
-              <a:cs typeface="Calibri" panose="020F0502020204030204"/>
-            </a:endParaRPr>
           </a:p>
           <a:p>
             <a:pPr marL="560705" lvl="1" indent="-171450" algn="l">
@@ -35207,14 +34905,11 @@
               <a:buChar char="•"/>
             </a:pPr>
             <a:r>
-              <a:rPr lang="en-US" sz="1400">
+              <a:rPr lang="en-US" sz="1800" dirty="0">
                 <a:cs typeface="Calibri" panose="020F0502020204030204"/>
               </a:rPr>
-              <a:t>Got exposure on prediction models</a:t>
+              <a:t>Got a depth about the prediction models</a:t>
             </a:r>
-            <a:endParaRPr lang="en-US" sz="1400" dirty="0">
-              <a:cs typeface="Calibri" panose="020F0502020204030204"/>
-            </a:endParaRPr>
           </a:p>
           <a:p>
             <a:pPr marL="560705" lvl="1" indent="-171450" algn="l">
@@ -35222,7 +34917,7 @@
               <a:buChar char="•"/>
             </a:pPr>
             <a:r>
-              <a:rPr lang="en-US" sz="1400" dirty="0">
+              <a:rPr lang="en-US" sz="1800" dirty="0">
                 <a:cs typeface="Calibri" panose="020F0502020204030204"/>
               </a:rPr>
               <a:t>Experience of handling data sets in huge volumes</a:t>
@@ -35233,13 +34928,13 @@
               <a:buFont typeface="Arial,Sans-Serif" panose="020B0604020202020204" pitchFamily="34" charset="0"/>
               <a:buChar char="•"/>
             </a:pPr>
-            <a:r>
-              <a:rPr lang="en-US" sz="1400">
-                <a:cs typeface="Calibri" panose="020F0502020204030204"/>
-              </a:rPr>
-              <a:t>Hands-on usage of various IBM Watson offerings </a:t>
-            </a:r>
-            <a:endParaRPr lang="en-US" sz="1400" dirty="0">
+            <a:endParaRPr lang="en-US" dirty="0">
+              <a:cs typeface="Calibri" panose="020F0502020204030204"/>
+            </a:endParaRPr>
+          </a:p>
+          <a:p>
+            <a:pPr marL="389255" lvl="1" algn="l"/>
+            <a:endParaRPr lang="en-US" dirty="0">
               <a:cs typeface="Calibri" panose="020F0502020204030204"/>
             </a:endParaRPr>
           </a:p>
@@ -35248,37 +34943,7 @@
               <a:buFont typeface="Arial,Sans-Serif" panose="020B0604020202020204" pitchFamily="34" charset="0"/>
               <a:buChar char="•"/>
             </a:pPr>
-            <a:r>
-              <a:rPr lang="en-US" sz="1400">
-                <a:cs typeface="Calibri" panose="020F0502020204030204"/>
-              </a:rPr>
-              <a:t>Overview of  IBM Cloud Services</a:t>
-            </a:r>
-            <a:endParaRPr lang="en-US" sz="1400" dirty="0">
-              <a:cs typeface="Calibri" panose="020F0502020204030204"/>
-            </a:endParaRPr>
-          </a:p>
-          <a:p>
-            <a:pPr marL="560705" lvl="1" indent="-171450" algn="l">
-              <a:buFont typeface="Arial,Sans-Serif" panose="020B0604020202020204" pitchFamily="34" charset="0"/>
-              <a:buChar char="•"/>
-            </a:pPr>
-            <a:endParaRPr lang="en-US" sz="1400" dirty="0">
-              <a:cs typeface="Calibri" panose="020F0502020204030204"/>
-            </a:endParaRPr>
-          </a:p>
-          <a:p>
-            <a:pPr marL="389255" lvl="1" algn="l"/>
-            <a:endParaRPr lang="en-US" sz="1400" dirty="0">
-              <a:cs typeface="Calibri" panose="020F0502020204030204"/>
-            </a:endParaRPr>
-          </a:p>
-          <a:p>
-            <a:pPr marL="560705" lvl="1" indent="-171450" algn="l">
-              <a:buFont typeface="Arial,Sans-Serif" panose="020B0604020202020204" pitchFamily="34" charset="0"/>
-              <a:buChar char="•"/>
-            </a:pPr>
-            <a:endParaRPr lang="en-US" sz="1400" dirty="0">
+            <a:endParaRPr lang="en-US" dirty="0">
               <a:cs typeface="Calibri" panose="020F0502020204030204"/>
             </a:endParaRPr>
           </a:p>
@@ -35287,7 +34952,7 @@
               <a:buFont typeface="Arial" panose="020B0604020202020204" pitchFamily="34" charset="0"/>
               <a:buChar char="•"/>
             </a:pPr>
-            <a:endParaRPr lang="en-US" sz="1400" dirty="0">
+            <a:endParaRPr lang="en-US" dirty="0">
               <a:cs typeface="Calibri" panose="020F0502020204030204"/>
             </a:endParaRPr>
           </a:p>
@@ -35296,7 +34961,7 @@
               <a:buFont typeface="Arial"/>
               <a:buChar char="•"/>
             </a:pPr>
-            <a:endParaRPr lang="en-US" sz="1400" dirty="0">
+            <a:endParaRPr lang="en-US" dirty="0">
               <a:cs typeface="Calibri" panose="020F0502020204030204"/>
             </a:endParaRPr>
           </a:p>
@@ -35306,373 +34971,6 @@
     <p:extLst>
       <p:ext uri="{BB962C8B-B14F-4D97-AF65-F5344CB8AC3E}">
         <p14:creationId xmlns:p14="http://schemas.microsoft.com/office/powerpoint/2010/main" val="3645423041"/>
-      </p:ext>
-    </p:extLst>
-  </p:cSld>
-  <p:clrMapOvr>
-    <a:masterClrMapping/>
-  </p:clrMapOvr>
-</p:sld>
-</file>
-
-<file path=ppt/slides/slide7.xml><?xml version="1.0" encoding="utf-8"?>
-<p:sld xmlns:a="http://schemas.openxmlformats.org/drawingml/2006/main" xmlns:r="http://schemas.openxmlformats.org/officeDocument/2006/relationships" xmlns:p="http://schemas.openxmlformats.org/presentationml/2006/main">
-  <p:cSld>
-    <p:spTree>
-      <p:nvGrpSpPr>
-        <p:cNvPr id="1" name=""/>
-        <p:cNvGrpSpPr/>
-        <p:nvPr/>
-      </p:nvGrpSpPr>
-      <p:grpSpPr>
-        <a:xfrm>
-          <a:off x="0" y="0"/>
-          <a:ext cx="0" cy="0"/>
-          <a:chOff x="0" y="0"/>
-          <a:chExt cx="0" cy="0"/>
-        </a:xfrm>
-      </p:grpSpPr>
-      <p:sp>
-        <p:nvSpPr>
-          <p:cNvPr id="5" name="TextBox 4">
-            <a:extLst>
-              <a:ext uri="{FF2B5EF4-FFF2-40B4-BE49-F238E27FC236}">
-                <a16:creationId xmlns:a16="http://schemas.microsoft.com/office/drawing/2014/main" id="{83CC51E3-E419-4AB1-8316-5C2835430B1C}"/>
-              </a:ext>
-            </a:extLst>
-          </p:cNvPr>
-          <p:cNvSpPr txBox="1"/>
-          <p:nvPr/>
-        </p:nvSpPr>
-        <p:spPr>
-          <a:xfrm>
-            <a:off x="542925" y="179457"/>
-            <a:ext cx="8058148" cy="369332"/>
-          </a:xfrm>
-          <a:prstGeom prst="rect">
-            <a:avLst/>
-          </a:prstGeom>
-        </p:spPr>
-        <p:style>
-          <a:lnRef idx="0">
-            <a:schemeClr val="dk1"/>
-          </a:lnRef>
-          <a:fillRef idx="3">
-            <a:schemeClr val="dk1"/>
-          </a:fillRef>
-          <a:effectRef idx="3">
-            <a:schemeClr val="dk1"/>
-          </a:effectRef>
-          <a:fontRef idx="minor">
-            <a:schemeClr val="lt1"/>
-          </a:fontRef>
-        </p:style>
-        <p:txBody>
-          <a:bodyPr wrap="square" lIns="91440" tIns="45720" rIns="91440" bIns="45720" rtlCol="0" anchor="ctr">
-            <a:spAutoFit/>
-          </a:bodyPr>
-          <a:lstStyle/>
-          <a:p>
-            <a:r>
-              <a:rPr lang="en-US" sz="1800"/>
-              <a:t>Screen Shots</a:t>
-            </a:r>
-            <a:endParaRPr lang="en-US"/>
-          </a:p>
-        </p:txBody>
-      </p:sp>
-      <p:sp>
-        <p:nvSpPr>
-          <p:cNvPr id="14" name="Rectangle 13">
-            <a:extLst>
-              <a:ext uri="{FF2B5EF4-FFF2-40B4-BE49-F238E27FC236}">
-                <a16:creationId xmlns:a16="http://schemas.microsoft.com/office/drawing/2014/main" id="{A33384C4-2658-4867-9748-8E3E227C174C}"/>
-              </a:ext>
-            </a:extLst>
-          </p:cNvPr>
-          <p:cNvSpPr/>
-          <p:nvPr/>
-        </p:nvSpPr>
-        <p:spPr>
-          <a:xfrm>
-            <a:off x="533398" y="680485"/>
-            <a:ext cx="8067675" cy="3954142"/>
-          </a:xfrm>
-          <a:prstGeom prst="rect">
-            <a:avLst/>
-          </a:prstGeom>
-        </p:spPr>
-        <p:style>
-          <a:lnRef idx="2">
-            <a:schemeClr val="accent5"/>
-          </a:lnRef>
-          <a:fillRef idx="1">
-            <a:schemeClr val="lt1"/>
-          </a:fillRef>
-          <a:effectRef idx="0">
-            <a:schemeClr val="accent5"/>
-          </a:effectRef>
-          <a:fontRef idx="minor">
-            <a:schemeClr val="dk1"/>
-          </a:fontRef>
-        </p:style>
-        <p:txBody>
-          <a:bodyPr lIns="91440" tIns="45720" rIns="91440" bIns="45720" rtlCol="0" anchor="t"/>
-          <a:lstStyle/>
-          <a:p>
-            <a:pPr marL="171450" indent="-171450" algn="l">
-              <a:buFont typeface="Arial" panose="020B0604020202020204" pitchFamily="34" charset="0"/>
-              <a:buChar char="•"/>
-            </a:pPr>
-            <a:endParaRPr lang="en-US" sz="1400" dirty="0">
-              <a:cs typeface="Calibri" panose="020F0502020204030204"/>
-            </a:endParaRPr>
-          </a:p>
-          <a:p>
-            <a:pPr marL="171450" indent="-171450" algn="l">
-              <a:buFont typeface="Arial" panose="020B0604020202020204" pitchFamily="34" charset="0"/>
-              <a:buChar char="•"/>
-            </a:pPr>
-            <a:r>
-              <a:rPr lang="en-US" sz="1400">
-                <a:cs typeface="Calibri" panose="020F0502020204030204"/>
-              </a:rPr>
-              <a:t>SPSS Model</a:t>
-            </a:r>
-            <a:endParaRPr lang="en-US" sz="1400" dirty="0">
-              <a:cs typeface="Calibri" panose="020F0502020204030204"/>
-            </a:endParaRPr>
-          </a:p>
-        </p:txBody>
-      </p:sp>
-      <p:pic>
-        <p:nvPicPr>
-          <p:cNvPr id="2" name="Picture 2" descr="A close up of a map&#10;&#10;Description automatically generated">
-            <a:extLst>
-              <a:ext uri="{FF2B5EF4-FFF2-40B4-BE49-F238E27FC236}">
-                <a16:creationId xmlns:a16="http://schemas.microsoft.com/office/drawing/2014/main" id="{EF75829B-338F-4C02-A720-C62E3A9F5679}"/>
-              </a:ext>
-            </a:extLst>
-          </p:cNvPr>
-          <p:cNvPicPr>
-            <a:picLocks noChangeAspect="1"/>
-          </p:cNvPicPr>
-          <p:nvPr/>
-        </p:nvPicPr>
-        <p:blipFill>
-          <a:blip r:embed="rId2"/>
-          <a:stretch>
-            <a:fillRect/>
-          </a:stretch>
-        </p:blipFill>
-        <p:spPr>
-          <a:xfrm>
-            <a:off x="1033013" y="1346639"/>
-            <a:ext cx="7121105" cy="2892326"/>
-          </a:xfrm>
-          <a:prstGeom prst="roundRect">
-            <a:avLst>
-              <a:gd name="adj" fmla="val 8594"/>
-            </a:avLst>
-          </a:prstGeom>
-          <a:solidFill>
-            <a:srgbClr val="FFFFFF">
-              <a:shade val="85000"/>
-            </a:srgbClr>
-          </a:solidFill>
-          <a:ln>
-            <a:noFill/>
-          </a:ln>
-          <a:effectLst>
-            <a:reflection blurRad="12700" stA="38000" endPos="28000" dist="5000" dir="5400000" sy="-100000" algn="bl" rotWithShape="0"/>
-          </a:effectLst>
-        </p:spPr>
-      </p:pic>
-    </p:spTree>
-    <p:extLst>
-      <p:ext uri="{BB962C8B-B14F-4D97-AF65-F5344CB8AC3E}">
-        <p14:creationId xmlns:p14="http://schemas.microsoft.com/office/powerpoint/2010/main" val="3198009951"/>
-      </p:ext>
-    </p:extLst>
-  </p:cSld>
-  <p:clrMapOvr>
-    <a:masterClrMapping/>
-  </p:clrMapOvr>
-</p:sld>
-</file>
-
-<file path=ppt/slides/slide8.xml><?xml version="1.0" encoding="utf-8"?>
-<p:sld xmlns:a="http://schemas.openxmlformats.org/drawingml/2006/main" xmlns:r="http://schemas.openxmlformats.org/officeDocument/2006/relationships" xmlns:p="http://schemas.openxmlformats.org/presentationml/2006/main">
-  <p:cSld>
-    <p:spTree>
-      <p:nvGrpSpPr>
-        <p:cNvPr id="1" name=""/>
-        <p:cNvGrpSpPr/>
-        <p:nvPr/>
-      </p:nvGrpSpPr>
-      <p:grpSpPr>
-        <a:xfrm>
-          <a:off x="0" y="0"/>
-          <a:ext cx="0" cy="0"/>
-          <a:chOff x="0" y="0"/>
-          <a:chExt cx="0" cy="0"/>
-        </a:xfrm>
-      </p:grpSpPr>
-      <p:sp>
-        <p:nvSpPr>
-          <p:cNvPr id="5" name="TextBox 4">
-            <a:extLst>
-              <a:ext uri="{FF2B5EF4-FFF2-40B4-BE49-F238E27FC236}">
-                <a16:creationId xmlns:a16="http://schemas.microsoft.com/office/drawing/2014/main" id="{83CC51E3-E419-4AB1-8316-5C2835430B1C}"/>
-              </a:ext>
-            </a:extLst>
-          </p:cNvPr>
-          <p:cNvSpPr txBox="1"/>
-          <p:nvPr/>
-        </p:nvSpPr>
-        <p:spPr>
-          <a:xfrm>
-            <a:off x="542925" y="179457"/>
-            <a:ext cx="8058148" cy="369332"/>
-          </a:xfrm>
-          <a:prstGeom prst="rect">
-            <a:avLst/>
-          </a:prstGeom>
-        </p:spPr>
-        <p:style>
-          <a:lnRef idx="0">
-            <a:schemeClr val="dk1"/>
-          </a:lnRef>
-          <a:fillRef idx="3">
-            <a:schemeClr val="dk1"/>
-          </a:fillRef>
-          <a:effectRef idx="3">
-            <a:schemeClr val="dk1"/>
-          </a:effectRef>
-          <a:fontRef idx="minor">
-            <a:schemeClr val="lt1"/>
-          </a:fontRef>
-        </p:style>
-        <p:txBody>
-          <a:bodyPr wrap="square" lIns="91440" tIns="45720" rIns="91440" bIns="45720" rtlCol="0" anchor="ctr">
-            <a:spAutoFit/>
-          </a:bodyPr>
-          <a:lstStyle/>
-          <a:p>
-            <a:r>
-              <a:rPr lang="en-US" sz="1800"/>
-              <a:t>Screen Shots</a:t>
-            </a:r>
-            <a:endParaRPr lang="en-US"/>
-          </a:p>
-        </p:txBody>
-      </p:sp>
-      <p:sp>
-        <p:nvSpPr>
-          <p:cNvPr id="14" name="Rectangle 13">
-            <a:extLst>
-              <a:ext uri="{FF2B5EF4-FFF2-40B4-BE49-F238E27FC236}">
-                <a16:creationId xmlns:a16="http://schemas.microsoft.com/office/drawing/2014/main" id="{A33384C4-2658-4867-9748-8E3E227C174C}"/>
-              </a:ext>
-            </a:extLst>
-          </p:cNvPr>
-          <p:cNvSpPr/>
-          <p:nvPr/>
-        </p:nvSpPr>
-        <p:spPr>
-          <a:xfrm>
-            <a:off x="662794" y="680485"/>
-            <a:ext cx="8067675" cy="3954142"/>
-          </a:xfrm>
-          <a:prstGeom prst="rect">
-            <a:avLst/>
-          </a:prstGeom>
-        </p:spPr>
-        <p:style>
-          <a:lnRef idx="2">
-            <a:schemeClr val="accent5"/>
-          </a:lnRef>
-          <a:fillRef idx="1">
-            <a:schemeClr val="lt1"/>
-          </a:fillRef>
-          <a:effectRef idx="0">
-            <a:schemeClr val="accent5"/>
-          </a:effectRef>
-          <a:fontRef idx="minor">
-            <a:schemeClr val="dk1"/>
-          </a:fontRef>
-        </p:style>
-        <p:txBody>
-          <a:bodyPr lIns="91440" tIns="45720" rIns="91440" bIns="45720" rtlCol="0" anchor="t"/>
-          <a:lstStyle/>
-          <a:p>
-            <a:pPr algn="l"/>
-            <a:endParaRPr lang="en-US" sz="1400" dirty="0">
-              <a:cs typeface="Calibri" panose="020F0502020204030204"/>
-            </a:endParaRPr>
-          </a:p>
-          <a:p>
-            <a:pPr algn="l"/>
-            <a:r>
-              <a:rPr lang="en-US" sz="1400" dirty="0">
-                <a:cs typeface="Calibri" panose="020F0502020204030204"/>
-              </a:rPr>
-              <a:t> </a:t>
-            </a:r>
-            <a:r>
-              <a:rPr lang="en-US" sz="1400">
-                <a:ea typeface="+mn-lt"/>
-                <a:cs typeface="+mn-lt"/>
-              </a:rPr>
-              <a:t>Sample Predictions</a:t>
-            </a:r>
-            <a:endParaRPr lang="en-US" sz="1400" dirty="0">
-              <a:ea typeface="+mn-lt"/>
-              <a:cs typeface="+mn-lt"/>
-            </a:endParaRPr>
-          </a:p>
-          <a:p>
-            <a:pPr algn="l"/>
-            <a:endParaRPr lang="en-US" sz="1400" dirty="0">
-              <a:cs typeface="Calibri" panose="020F0502020204030204"/>
-            </a:endParaRPr>
-          </a:p>
-        </p:txBody>
-      </p:sp>
-      <p:pic>
-        <p:nvPicPr>
-          <p:cNvPr id="3" name="Picture 3" descr="A screenshot of a social media post&#10;&#10;Description automatically generated">
-            <a:extLst>
-              <a:ext uri="{FF2B5EF4-FFF2-40B4-BE49-F238E27FC236}">
-                <a16:creationId xmlns:a16="http://schemas.microsoft.com/office/drawing/2014/main" id="{1B9935BF-F515-4D4B-B50D-42A6AFD08BDC}"/>
-              </a:ext>
-            </a:extLst>
-          </p:cNvPr>
-          <p:cNvPicPr>
-            <a:picLocks noChangeAspect="1"/>
-          </p:cNvPicPr>
-          <p:nvPr/>
-        </p:nvPicPr>
-        <p:blipFill>
-          <a:blip r:embed="rId2"/>
-          <a:stretch>
-            <a:fillRect/>
-          </a:stretch>
-        </p:blipFill>
-        <p:spPr>
-          <a:xfrm>
-            <a:off x="1410418" y="1490459"/>
-            <a:ext cx="5859491" cy="2917392"/>
-          </a:xfrm>
-          <a:prstGeom prst="rect">
-            <a:avLst/>
-          </a:prstGeom>
-        </p:spPr>
-      </p:pic>
-    </p:spTree>
-    <p:extLst>
-      <p:ext uri="{BB962C8B-B14F-4D97-AF65-F5344CB8AC3E}">
-        <p14:creationId xmlns:p14="http://schemas.microsoft.com/office/powerpoint/2010/main" val="712521611"/>
       </p:ext>
     </p:extLst>
   </p:cSld>
@@ -35699,165 +34997,10 @@
           <a:chExt cx="0" cy="0"/>
         </a:xfrm>
       </p:grpSpPr>
-      <p:sp>
-        <p:nvSpPr>
-          <p:cNvPr id="5" name="TextBox 4">
-            <a:extLst>
-              <a:ext uri="{FF2B5EF4-FFF2-40B4-BE49-F238E27FC236}">
-                <a16:creationId xmlns:a16="http://schemas.microsoft.com/office/drawing/2014/main" id="{83CC51E3-E419-4AB1-8316-5C2835430B1C}"/>
-              </a:ext>
-            </a:extLst>
-          </p:cNvPr>
-          <p:cNvSpPr txBox="1"/>
-          <p:nvPr/>
-        </p:nvSpPr>
-        <p:spPr>
-          <a:xfrm>
-            <a:off x="542925" y="179457"/>
-            <a:ext cx="8058148" cy="369332"/>
-          </a:xfrm>
-          <a:prstGeom prst="rect">
-            <a:avLst/>
-          </a:prstGeom>
-        </p:spPr>
-        <p:style>
-          <a:lnRef idx="0">
-            <a:schemeClr val="dk1"/>
-          </a:lnRef>
-          <a:fillRef idx="3">
-            <a:schemeClr val="dk1"/>
-          </a:fillRef>
-          <a:effectRef idx="3">
-            <a:schemeClr val="dk1"/>
-          </a:effectRef>
-          <a:fontRef idx="minor">
-            <a:schemeClr val="lt1"/>
-          </a:fontRef>
-        </p:style>
-        <p:txBody>
-          <a:bodyPr wrap="square" lIns="91440" tIns="45720" rIns="91440" bIns="45720" rtlCol="0" anchor="ctr">
-            <a:spAutoFit/>
-          </a:bodyPr>
-          <a:lstStyle/>
-          <a:p>
-            <a:r>
-              <a:rPr lang="en-US" sz="1800"/>
-              <a:t>Screen Shots</a:t>
-            </a:r>
-            <a:endParaRPr lang="en-US"/>
-          </a:p>
-        </p:txBody>
-      </p:sp>
-      <p:sp>
-        <p:nvSpPr>
-          <p:cNvPr id="14" name="Rectangle 13">
-            <a:extLst>
-              <a:ext uri="{FF2B5EF4-FFF2-40B4-BE49-F238E27FC236}">
-                <a16:creationId xmlns:a16="http://schemas.microsoft.com/office/drawing/2014/main" id="{A33384C4-2658-4867-9748-8E3E227C174C}"/>
-              </a:ext>
-            </a:extLst>
-          </p:cNvPr>
-          <p:cNvSpPr/>
-          <p:nvPr/>
-        </p:nvSpPr>
-        <p:spPr>
-          <a:xfrm>
-            <a:off x="533398" y="680485"/>
-            <a:ext cx="8067675" cy="3954142"/>
-          </a:xfrm>
-          <a:prstGeom prst="rect">
-            <a:avLst/>
-          </a:prstGeom>
-        </p:spPr>
-        <p:style>
-          <a:lnRef idx="2">
-            <a:schemeClr val="accent5"/>
-          </a:lnRef>
-          <a:fillRef idx="1">
-            <a:schemeClr val="lt1"/>
-          </a:fillRef>
-          <a:effectRef idx="0">
-            <a:schemeClr val="accent5"/>
-          </a:effectRef>
-          <a:fontRef idx="minor">
-            <a:schemeClr val="dk1"/>
-          </a:fontRef>
-        </p:style>
-        <p:txBody>
-          <a:bodyPr lIns="91440" tIns="45720" rIns="91440" bIns="45720" rtlCol="0" anchor="t"/>
-          <a:lstStyle/>
-          <a:p>
-            <a:pPr algn="l"/>
-            <a:endParaRPr lang="en-US" sz="1400" dirty="0">
-              <a:ea typeface="+mn-lt"/>
-              <a:cs typeface="+mn-lt"/>
-            </a:endParaRPr>
-          </a:p>
-          <a:p>
-            <a:pPr algn="l"/>
-            <a:r>
-              <a:rPr lang="en-US" sz="1400">
-                <a:ea typeface="+mn-lt"/>
-                <a:cs typeface="+mn-lt"/>
-              </a:rPr>
-              <a:t>  Sample Predictions</a:t>
-            </a:r>
-            <a:endParaRPr lang="en-US">
-              <a:ea typeface="+mn-lt"/>
-              <a:cs typeface="+mn-lt"/>
-            </a:endParaRPr>
-          </a:p>
-          <a:p>
-            <a:pPr algn="l"/>
-            <a:endParaRPr lang="en-US" sz="1400" dirty="0">
-              <a:cs typeface="Calibri" panose="020F0502020204030204"/>
-            </a:endParaRPr>
-          </a:p>
-          <a:p>
-            <a:pPr marL="342900" indent="-342900" algn="l">
-              <a:buAutoNum type="arabicPeriod"/>
-            </a:pPr>
-            <a:endParaRPr lang="en-US" sz="1400" dirty="0">
-              <a:ea typeface="+mn-lt"/>
-              <a:cs typeface="+mn-lt"/>
-            </a:endParaRPr>
-          </a:p>
-        </p:txBody>
-      </p:sp>
-      <p:pic>
-        <p:nvPicPr>
-          <p:cNvPr id="2" name="Picture 2" descr="A screenshot of a social media post&#10;&#10;Description automatically generated">
-            <a:extLst>
-              <a:ext uri="{FF2B5EF4-FFF2-40B4-BE49-F238E27FC236}">
-                <a16:creationId xmlns:a16="http://schemas.microsoft.com/office/drawing/2014/main" id="{C8E83CF1-D02B-4FEF-8BAB-CCC6DB62255D}"/>
-              </a:ext>
-            </a:extLst>
-          </p:cNvPr>
-          <p:cNvPicPr>
-            <a:picLocks noChangeAspect="1"/>
-          </p:cNvPicPr>
-          <p:nvPr/>
-        </p:nvPicPr>
-        <p:blipFill>
-          <a:blip r:embed="rId2"/>
-          <a:stretch>
-            <a:fillRect/>
-          </a:stretch>
-        </p:blipFill>
-        <p:spPr>
-          <a:xfrm>
-            <a:off x="1593730" y="1431409"/>
-            <a:ext cx="5719312" cy="3164888"/>
-          </a:xfrm>
-          <a:prstGeom prst="rect">
-            <a:avLst/>
-          </a:prstGeom>
-        </p:spPr>
-      </p:pic>
     </p:spTree>
     <p:extLst>
       <p:ext uri="{BB962C8B-B14F-4D97-AF65-F5344CB8AC3E}">
-        <p14:creationId xmlns:p14="http://schemas.microsoft.com/office/powerpoint/2010/main" val="3186588404"/>
+        <p14:creationId xmlns:p14="http://schemas.microsoft.com/office/powerpoint/2010/main" val="1331351567"/>
       </p:ext>
     </p:extLst>
   </p:cSld>
@@ -36986,6 +36129,12 @@
 </file>
 
 <file path=customXml/item1.xml><?xml version="1.0" encoding="utf-8"?>
+<p:properties xmlns:p="http://schemas.microsoft.com/office/2006/metadata/properties" xmlns:xsi="http://www.w3.org/2001/XMLSchema-instance">
+  <documentManagement/>
+</p:properties>
+</file>
+
+<file path=customXml/item2.xml><?xml version="1.0" encoding="utf-8"?>
 <ct:contentTypeSchema xmlns:ct="http://schemas.microsoft.com/office/2006/metadata/contentType" xmlns:ma="http://schemas.microsoft.com/office/2006/metadata/properties/metaAttributes" ct:_="" ma:_="" ma:contentTypeName="Document" ma:contentTypeID="0x0101007E41CE99FAF93E43A9D55D5A970C5896" ma:contentTypeVersion="2" ma:contentTypeDescription="Create a new document." ma:contentTypeScope="" ma:versionID="ae30c1856a3cfe05497c58b7eb8972a5">
   <xsd:schema xmlns:xsd="http://www.w3.org/2001/XMLSchema" xmlns:xs="http://www.w3.org/2001/XMLSchema" xmlns:p="http://schemas.microsoft.com/office/2006/metadata/properties" xmlns:ns2="59adf32a-ef96-4ec2-94c8-876cf435d4ef" targetNamespace="http://schemas.microsoft.com/office/2006/metadata/properties" ma:root="true" ma:fieldsID="cee035c1f458a1f4886de6f247fb42e8" ns2:_="">
     <xsd:import namespace="59adf32a-ef96-4ec2-94c8-876cf435d4ef"/>
@@ -37117,7 +36266,7 @@
 </ct:contentTypeSchema>
 </file>
 
-<file path=customXml/item2.xml><?xml version="1.0" encoding="utf-8"?>
+<file path=customXml/item3.xml><?xml version="1.0" encoding="utf-8"?>
 <?mso-contentType ?>
 <FormTemplates xmlns="http://schemas.microsoft.com/sharepoint/v3/contenttype/forms">
   <Display>DocumentLibraryForm</Display>
@@ -37126,13 +36275,23 @@
 </FormTemplates>
 </file>
 
-<file path=customXml/item3.xml><?xml version="1.0" encoding="utf-8"?>
-<p:properties xmlns:p="http://schemas.microsoft.com/office/2006/metadata/properties" xmlns:xsi="http://www.w3.org/2001/XMLSchema-instance">
-  <documentManagement/>
-</p:properties>
+<file path=customXml/itemProps1.xml><?xml version="1.0" encoding="utf-8"?>
+<ds:datastoreItem xmlns:ds="http://schemas.openxmlformats.org/officeDocument/2006/customXml" ds:itemID="{24559248-63FA-4C6E-A37D-96FF4426E5C5}">
+  <ds:schemaRefs>
+    <ds:schemaRef ds:uri="59adf32a-ef96-4ec2-94c8-876cf435d4ef"/>
+    <ds:schemaRef ds:uri="http://purl.org/dc/dcmitype/"/>
+    <ds:schemaRef ds:uri="http://purl.org/dc/elements/1.1/"/>
+    <ds:schemaRef ds:uri="http://purl.org/dc/terms/"/>
+    <ds:schemaRef ds:uri="http://schemas.microsoft.com/office/2006/documentManagement/types"/>
+    <ds:schemaRef ds:uri="http://schemas.microsoft.com/office/2006/metadata/properties"/>
+    <ds:schemaRef ds:uri="http://schemas.microsoft.com/office/infopath/2007/PartnerControls"/>
+    <ds:schemaRef ds:uri="http://schemas.openxmlformats.org/package/2006/metadata/core-properties"/>
+    <ds:schemaRef ds:uri="http://www.w3.org/XML/1998/namespace"/>
+  </ds:schemaRefs>
+</ds:datastoreItem>
 </file>
 
-<file path=customXml/itemProps1.xml><?xml version="1.0" encoding="utf-8"?>
+<file path=customXml/itemProps2.xml><?xml version="1.0" encoding="utf-8"?>
 <ds:datastoreItem xmlns:ds="http://schemas.openxmlformats.org/officeDocument/2006/customXml" ds:itemID="{60C53222-73F9-443A-86D8-293AD41C2606}">
   <ds:schemaRefs>
     <ds:schemaRef ds:uri="59adf32a-ef96-4ec2-94c8-876cf435d4ef"/>
@@ -37150,26 +36309,10 @@
 </ds:datastoreItem>
 </file>
 
-<file path=customXml/itemProps2.xml><?xml version="1.0" encoding="utf-8"?>
+<file path=customXml/itemProps3.xml><?xml version="1.0" encoding="utf-8"?>
 <ds:datastoreItem xmlns:ds="http://schemas.openxmlformats.org/officeDocument/2006/customXml" ds:itemID="{8ABB6DC8-0142-4676-96FE-F1693BA95046}">
   <ds:schemaRefs>
     <ds:schemaRef ds:uri="http://schemas.microsoft.com/sharepoint/v3/contenttype/forms"/>
   </ds:schemaRefs>
 </ds:datastoreItem>
-</file>
-
-<file path=customXml/itemProps3.xml><?xml version="1.0" encoding="utf-8"?>
-<ds:datastoreItem xmlns:ds="http://schemas.openxmlformats.org/officeDocument/2006/customXml" ds:itemID="{24559248-63FA-4C6E-A37D-96FF4426E5C5}">
-  <ds:schemaRefs>
-    <ds:schemaRef ds:uri="59adf32a-ef96-4ec2-94c8-876cf435d4ef"/>
-    <ds:schemaRef ds:uri="http://purl.org/dc/dcmitype/"/>
-    <ds:schemaRef ds:uri="http://purl.org/dc/elements/1.1/"/>
-    <ds:schemaRef ds:uri="http://purl.org/dc/terms/"/>
-    <ds:schemaRef ds:uri="http://schemas.microsoft.com/office/2006/documentManagement/types"/>
-    <ds:schemaRef ds:uri="http://schemas.microsoft.com/office/2006/metadata/properties"/>
-    <ds:schemaRef ds:uri="http://schemas.microsoft.com/office/infopath/2007/PartnerControls"/>
-    <ds:schemaRef ds:uri="http://schemas.openxmlformats.org/package/2006/metadata/core-properties"/>
-    <ds:schemaRef ds:uri="http://www.w3.org/XML/1998/namespace"/>
-  </ds:schemaRefs>
-</ds:datastoreItem>
 </file>